--- a/실전자바소프트웨어/ref/프레젠테이션1.pptx
+++ b/실전자바소프트웨어/ref/프레젠테이션1.pptx
@@ -6,6 +6,10 @@
   </p:sldMasterIdLst>
   <p:sldIdLst>
     <p:sldId id="259" r:id="rId2"/>
+    <p:sldId id="260" r:id="rId3"/>
+    <p:sldId id="261" r:id="rId4"/>
+    <p:sldId id="262" r:id="rId5"/>
+    <p:sldId id="263" r:id="rId6"/>
   </p:sldIdLst>
   <p:sldSz cx="12192000" cy="6858000"/>
   <p:notesSz cx="6858000" cy="9144000"/>
@@ -243,7 +247,7 @@
           <a:p>
             <a:fld id="{3083E1A9-A397-4745-BD5D-6E8E767939EE}" type="datetimeFigureOut">
               <a:rPr kumimoji="1" lang="ko-Kore-KR" altLang="en-US" smtClean="0"/>
-              <a:t>2021. 6. 24.</a:t>
+              <a:t>2021. 7. 1.</a:t>
             </a:fld>
             <a:endParaRPr kumimoji="1" lang="ko-Kore-KR" altLang="en-US"/>
           </a:p>
@@ -413,7 +417,7 @@
           <a:p>
             <a:fld id="{3083E1A9-A397-4745-BD5D-6E8E767939EE}" type="datetimeFigureOut">
               <a:rPr kumimoji="1" lang="ko-Kore-KR" altLang="en-US" smtClean="0"/>
-              <a:t>2021. 6. 24.</a:t>
+              <a:t>2021. 7. 1.</a:t>
             </a:fld>
             <a:endParaRPr kumimoji="1" lang="ko-Kore-KR" altLang="en-US"/>
           </a:p>
@@ -593,7 +597,7 @@
           <a:p>
             <a:fld id="{3083E1A9-A397-4745-BD5D-6E8E767939EE}" type="datetimeFigureOut">
               <a:rPr kumimoji="1" lang="ko-Kore-KR" altLang="en-US" smtClean="0"/>
-              <a:t>2021. 6. 24.</a:t>
+              <a:t>2021. 7. 1.</a:t>
             </a:fld>
             <a:endParaRPr kumimoji="1" lang="ko-Kore-KR" altLang="en-US"/>
           </a:p>
@@ -763,7 +767,7 @@
           <a:p>
             <a:fld id="{3083E1A9-A397-4745-BD5D-6E8E767939EE}" type="datetimeFigureOut">
               <a:rPr kumimoji="1" lang="ko-Kore-KR" altLang="en-US" smtClean="0"/>
-              <a:t>2021. 6. 24.</a:t>
+              <a:t>2021. 7. 1.</a:t>
             </a:fld>
             <a:endParaRPr kumimoji="1" lang="ko-Kore-KR" altLang="en-US"/>
           </a:p>
@@ -1009,7 +1013,7 @@
           <a:p>
             <a:fld id="{3083E1A9-A397-4745-BD5D-6E8E767939EE}" type="datetimeFigureOut">
               <a:rPr kumimoji="1" lang="ko-Kore-KR" altLang="en-US" smtClean="0"/>
-              <a:t>2021. 6. 24.</a:t>
+              <a:t>2021. 7. 1.</a:t>
             </a:fld>
             <a:endParaRPr kumimoji="1" lang="ko-Kore-KR" altLang="en-US"/>
           </a:p>
@@ -1241,7 +1245,7 @@
           <a:p>
             <a:fld id="{3083E1A9-A397-4745-BD5D-6E8E767939EE}" type="datetimeFigureOut">
               <a:rPr kumimoji="1" lang="ko-Kore-KR" altLang="en-US" smtClean="0"/>
-              <a:t>2021. 6. 24.</a:t>
+              <a:t>2021. 7. 1.</a:t>
             </a:fld>
             <a:endParaRPr kumimoji="1" lang="ko-Kore-KR" altLang="en-US"/>
           </a:p>
@@ -1608,7 +1612,7 @@
           <a:p>
             <a:fld id="{3083E1A9-A397-4745-BD5D-6E8E767939EE}" type="datetimeFigureOut">
               <a:rPr kumimoji="1" lang="ko-Kore-KR" altLang="en-US" smtClean="0"/>
-              <a:t>2021. 6. 24.</a:t>
+              <a:t>2021. 7. 1.</a:t>
             </a:fld>
             <a:endParaRPr kumimoji="1" lang="ko-Kore-KR" altLang="en-US"/>
           </a:p>
@@ -1726,7 +1730,7 @@
           <a:p>
             <a:fld id="{3083E1A9-A397-4745-BD5D-6E8E767939EE}" type="datetimeFigureOut">
               <a:rPr kumimoji="1" lang="ko-Kore-KR" altLang="en-US" smtClean="0"/>
-              <a:t>2021. 6. 24.</a:t>
+              <a:t>2021. 7. 1.</a:t>
             </a:fld>
             <a:endParaRPr kumimoji="1" lang="ko-Kore-KR" altLang="en-US"/>
           </a:p>
@@ -1821,7 +1825,7 @@
           <a:p>
             <a:fld id="{3083E1A9-A397-4745-BD5D-6E8E767939EE}" type="datetimeFigureOut">
               <a:rPr kumimoji="1" lang="ko-Kore-KR" altLang="en-US" smtClean="0"/>
-              <a:t>2021. 6. 24.</a:t>
+              <a:t>2021. 7. 1.</a:t>
             </a:fld>
             <a:endParaRPr kumimoji="1" lang="ko-Kore-KR" altLang="en-US"/>
           </a:p>
@@ -2098,7 +2102,7 @@
           <a:p>
             <a:fld id="{3083E1A9-A397-4745-BD5D-6E8E767939EE}" type="datetimeFigureOut">
               <a:rPr kumimoji="1" lang="ko-Kore-KR" altLang="en-US" smtClean="0"/>
-              <a:t>2021. 6. 24.</a:t>
+              <a:t>2021. 7. 1.</a:t>
             </a:fld>
             <a:endParaRPr kumimoji="1" lang="ko-Kore-KR" altLang="en-US"/>
           </a:p>
@@ -2355,7 +2359,7 @@
           <a:p>
             <a:fld id="{3083E1A9-A397-4745-BD5D-6E8E767939EE}" type="datetimeFigureOut">
               <a:rPr kumimoji="1" lang="ko-Kore-KR" altLang="en-US" smtClean="0"/>
-              <a:t>2021. 6. 24.</a:t>
+              <a:t>2021. 7. 1.</a:t>
             </a:fld>
             <a:endParaRPr kumimoji="1" lang="ko-Kore-KR" altLang="en-US"/>
           </a:p>
@@ -2568,7 +2572,7 @@
           <a:p>
             <a:fld id="{3083E1A9-A397-4745-BD5D-6E8E767939EE}" type="datetimeFigureOut">
               <a:rPr kumimoji="1" lang="ko-Kore-KR" altLang="en-US" smtClean="0"/>
-              <a:t>2021. 6. 24.</a:t>
+              <a:t>2021. 7. 1.</a:t>
             </a:fld>
             <a:endParaRPr kumimoji="1" lang="ko-Kore-KR" altLang="en-US"/>
           </a:p>
@@ -3963,6 +3967,4378 @@
 </p:sld>
 </file>
 
+<file path=ppt/slides/slide2.xml><?xml version="1.0" encoding="utf-8"?>
+<p:sld xmlns:a="http://schemas.openxmlformats.org/drawingml/2006/main" xmlns:r="http://schemas.openxmlformats.org/officeDocument/2006/relationships" xmlns:p="http://schemas.openxmlformats.org/presentationml/2006/main">
+  <p:cSld>
+    <p:spTree>
+      <p:nvGrpSpPr>
+        <p:cNvPr id="1" name=""/>
+        <p:cNvGrpSpPr/>
+        <p:nvPr/>
+      </p:nvGrpSpPr>
+      <p:grpSpPr>
+        <a:xfrm>
+          <a:off x="0" y="0"/>
+          <a:ext cx="0" cy="0"/>
+          <a:chOff x="0" y="0"/>
+          <a:chExt cx="0" cy="0"/>
+        </a:xfrm>
+      </p:grpSpPr>
+      <p:grpSp>
+        <p:nvGrpSpPr>
+          <p:cNvPr id="3" name="그룹 2">
+            <a:extLst>
+              <a:ext uri="{FF2B5EF4-FFF2-40B4-BE49-F238E27FC236}">
+                <a16:creationId xmlns:a16="http://schemas.microsoft.com/office/drawing/2014/main" id="{DD16A2AC-C6F9-1A40-9C41-2064BC7E76F7}"/>
+              </a:ext>
+            </a:extLst>
+          </p:cNvPr>
+          <p:cNvGrpSpPr/>
+          <p:nvPr/>
+        </p:nvGrpSpPr>
+        <p:grpSpPr>
+          <a:xfrm>
+            <a:off x="1174376" y="1120473"/>
+            <a:ext cx="1631886" cy="534681"/>
+            <a:chOff x="1174376" y="1076405"/>
+            <a:chExt cx="1631886" cy="534681"/>
+          </a:xfrm>
+        </p:grpSpPr>
+        <p:sp>
+          <p:nvSpPr>
+            <p:cNvPr id="76" name="직사각형 75">
+              <a:extLst>
+                <a:ext uri="{FF2B5EF4-FFF2-40B4-BE49-F238E27FC236}">
+                  <a16:creationId xmlns:a16="http://schemas.microsoft.com/office/drawing/2014/main" id="{0D8F85C7-930B-B142-8D7A-4F51C23DA8E8}"/>
+                </a:ext>
+              </a:extLst>
+            </p:cNvPr>
+            <p:cNvSpPr/>
+            <p:nvPr/>
+          </p:nvSpPr>
+          <p:spPr>
+            <a:xfrm>
+              <a:off x="1174376" y="1076405"/>
+              <a:ext cx="1631886" cy="534681"/>
+            </a:xfrm>
+            <a:prstGeom prst="rect">
+              <a:avLst/>
+            </a:prstGeom>
+            <a:ln w="25400">
+              <a:solidFill>
+                <a:srgbClr val="5DA2C5"/>
+              </a:solidFill>
+            </a:ln>
+          </p:spPr>
+          <p:style>
+            <a:lnRef idx="1">
+              <a:schemeClr val="accent1"/>
+            </a:lnRef>
+            <a:fillRef idx="0">
+              <a:schemeClr val="accent1"/>
+            </a:fillRef>
+            <a:effectRef idx="0">
+              <a:schemeClr val="accent1"/>
+            </a:effectRef>
+            <a:fontRef idx="minor">
+              <a:schemeClr val="tx1"/>
+            </a:fontRef>
+          </p:style>
+          <p:txBody>
+            <a:bodyPr rtlCol="0" anchor="ctr"/>
+            <a:lstStyle/>
+            <a:p>
+              <a:pPr algn="ctr"/>
+              <a:endParaRPr kumimoji="1" lang="ko-Kore-KR" altLang="en-US"/>
+            </a:p>
+          </p:txBody>
+        </p:sp>
+        <p:sp>
+          <p:nvSpPr>
+            <p:cNvPr id="78" name="TextBox 77">
+              <a:extLst>
+                <a:ext uri="{FF2B5EF4-FFF2-40B4-BE49-F238E27FC236}">
+                  <a16:creationId xmlns:a16="http://schemas.microsoft.com/office/drawing/2014/main" id="{11955C75-6854-A54A-94CF-268215F0AA91}"/>
+                </a:ext>
+              </a:extLst>
+            </p:cNvPr>
+            <p:cNvSpPr txBox="1"/>
+            <p:nvPr/>
+          </p:nvSpPr>
+          <p:spPr>
+            <a:xfrm>
+              <a:off x="1343106" y="1205245"/>
+              <a:ext cx="1305502" cy="276999"/>
+            </a:xfrm>
+            <a:prstGeom prst="rect">
+              <a:avLst/>
+            </a:prstGeom>
+            <a:noFill/>
+          </p:spPr>
+          <p:txBody>
+            <a:bodyPr wrap="square" rtlCol="0">
+              <a:spAutoFit/>
+            </a:bodyPr>
+            <a:lstStyle/>
+            <a:p>
+              <a:pPr algn="ctr"/>
+              <a:r>
+                <a:rPr kumimoji="1" lang="ko-KR" altLang="en-US" sz="1200" dirty="0" err="1">
+                  <a:solidFill>
+                    <a:srgbClr val="5DA2C5"/>
+                  </a:solidFill>
+                  <a:latin typeface="SHeadG" panose="02030600000101010101" pitchFamily="18" charset="-127"/>
+                  <a:ea typeface="SHeadG" panose="02030600000101010101" pitchFamily="18" charset="-127"/>
+                </a:rPr>
+                <a:t>트우터</a:t>
+              </a:r>
+              <a:r>
+                <a:rPr kumimoji="1" lang="ko-KR" altLang="en-US" sz="1200" dirty="0">
+                  <a:solidFill>
+                    <a:srgbClr val="5DA2C5"/>
+                  </a:solidFill>
+                  <a:latin typeface="SHeadG" panose="02030600000101010101" pitchFamily="18" charset="-127"/>
+                  <a:ea typeface="SHeadG" panose="02030600000101010101" pitchFamily="18" charset="-127"/>
+                </a:rPr>
+                <a:t> 서버</a:t>
+              </a:r>
+              <a:endParaRPr kumimoji="1" lang="ko-Kore-KR" altLang="en-US" sz="1200" dirty="0">
+                <a:solidFill>
+                  <a:srgbClr val="5DA2C5"/>
+                </a:solidFill>
+                <a:latin typeface="SHeadG" panose="02030600000101010101" pitchFamily="18" charset="-127"/>
+                <a:ea typeface="SHeadG" panose="02030600000101010101" pitchFamily="18" charset="-127"/>
+              </a:endParaRPr>
+            </a:p>
+          </p:txBody>
+        </p:sp>
+      </p:grpSp>
+      <p:grpSp>
+        <p:nvGrpSpPr>
+          <p:cNvPr id="24" name="그룹 23">
+            <a:extLst>
+              <a:ext uri="{FF2B5EF4-FFF2-40B4-BE49-F238E27FC236}">
+                <a16:creationId xmlns:a16="http://schemas.microsoft.com/office/drawing/2014/main" id="{BEE0C6D3-D088-C044-A331-F091A0D82A88}"/>
+              </a:ext>
+            </a:extLst>
+          </p:cNvPr>
+          <p:cNvGrpSpPr/>
+          <p:nvPr/>
+        </p:nvGrpSpPr>
+        <p:grpSpPr>
+          <a:xfrm>
+            <a:off x="3765176" y="669659"/>
+            <a:ext cx="1631886" cy="405841"/>
+            <a:chOff x="1174376" y="1205245"/>
+            <a:chExt cx="1631886" cy="405841"/>
+          </a:xfrm>
+        </p:grpSpPr>
+        <p:sp>
+          <p:nvSpPr>
+            <p:cNvPr id="25" name="직사각형 24">
+              <a:extLst>
+                <a:ext uri="{FF2B5EF4-FFF2-40B4-BE49-F238E27FC236}">
+                  <a16:creationId xmlns:a16="http://schemas.microsoft.com/office/drawing/2014/main" id="{3B7CE8D5-6CB9-C745-9738-07A4076ABFD8}"/>
+                </a:ext>
+              </a:extLst>
+            </p:cNvPr>
+            <p:cNvSpPr/>
+            <p:nvPr/>
+          </p:nvSpPr>
+          <p:spPr>
+            <a:xfrm>
+              <a:off x="1174376" y="1205245"/>
+              <a:ext cx="1631886" cy="405841"/>
+            </a:xfrm>
+            <a:prstGeom prst="rect">
+              <a:avLst/>
+            </a:prstGeom>
+            <a:ln w="25400">
+              <a:solidFill>
+                <a:srgbClr val="5DA2C5"/>
+              </a:solidFill>
+            </a:ln>
+          </p:spPr>
+          <p:style>
+            <a:lnRef idx="1">
+              <a:schemeClr val="accent1"/>
+            </a:lnRef>
+            <a:fillRef idx="0">
+              <a:schemeClr val="accent1"/>
+            </a:fillRef>
+            <a:effectRef idx="0">
+              <a:schemeClr val="accent1"/>
+            </a:effectRef>
+            <a:fontRef idx="minor">
+              <a:schemeClr val="tx1"/>
+            </a:fontRef>
+          </p:style>
+          <p:txBody>
+            <a:bodyPr rtlCol="0" anchor="ctr"/>
+            <a:lstStyle/>
+            <a:p>
+              <a:pPr algn="ctr"/>
+              <a:endParaRPr kumimoji="1" lang="ko-Kore-KR" altLang="en-US"/>
+            </a:p>
+          </p:txBody>
+        </p:sp>
+        <p:sp>
+          <p:nvSpPr>
+            <p:cNvPr id="26" name="TextBox 25">
+              <a:extLst>
+                <a:ext uri="{FF2B5EF4-FFF2-40B4-BE49-F238E27FC236}">
+                  <a16:creationId xmlns:a16="http://schemas.microsoft.com/office/drawing/2014/main" id="{C5A449AA-CB73-C349-B593-AA9E35BFD10D}"/>
+                </a:ext>
+              </a:extLst>
+            </p:cNvPr>
+            <p:cNvSpPr txBox="1"/>
+            <p:nvPr/>
+          </p:nvSpPr>
+          <p:spPr>
+            <a:xfrm>
+              <a:off x="1343106" y="1268305"/>
+              <a:ext cx="1305502" cy="276999"/>
+            </a:xfrm>
+            <a:prstGeom prst="rect">
+              <a:avLst/>
+            </a:prstGeom>
+            <a:noFill/>
+          </p:spPr>
+          <p:txBody>
+            <a:bodyPr wrap="square" rtlCol="0">
+              <a:spAutoFit/>
+            </a:bodyPr>
+            <a:lstStyle/>
+            <a:p>
+              <a:pPr algn="ctr"/>
+              <a:r>
+                <a:rPr kumimoji="1" lang="ko-KR" altLang="en-US" sz="1200" dirty="0">
+                  <a:solidFill>
+                    <a:srgbClr val="5DA2C5"/>
+                  </a:solidFill>
+                  <a:latin typeface="SHeadG" panose="02030600000101010101" pitchFamily="18" charset="-127"/>
+                  <a:ea typeface="SHeadG" panose="02030600000101010101" pitchFamily="18" charset="-127"/>
+                </a:rPr>
+                <a:t>웹사이트 사용자 </a:t>
+              </a:r>
+              <a:r>
+                <a:rPr kumimoji="1" lang="en-US" altLang="ko-KR" sz="1200" dirty="0">
+                  <a:solidFill>
+                    <a:srgbClr val="5DA2C5"/>
+                  </a:solidFill>
+                  <a:latin typeface="SHeadG" panose="02030600000101010101" pitchFamily="18" charset="-127"/>
+                  <a:ea typeface="SHeadG" panose="02030600000101010101" pitchFamily="18" charset="-127"/>
+                </a:rPr>
+                <a:t>1</a:t>
+              </a:r>
+              <a:endParaRPr kumimoji="1" lang="ko-Kore-KR" altLang="en-US" sz="1200" dirty="0">
+                <a:solidFill>
+                  <a:srgbClr val="5DA2C5"/>
+                </a:solidFill>
+                <a:latin typeface="SHeadG" panose="02030600000101010101" pitchFamily="18" charset="-127"/>
+                <a:ea typeface="SHeadG" panose="02030600000101010101" pitchFamily="18" charset="-127"/>
+              </a:endParaRPr>
+            </a:p>
+          </p:txBody>
+        </p:sp>
+      </p:grpSp>
+      <p:grpSp>
+        <p:nvGrpSpPr>
+          <p:cNvPr id="27" name="그룹 26">
+            <a:extLst>
+              <a:ext uri="{FF2B5EF4-FFF2-40B4-BE49-F238E27FC236}">
+                <a16:creationId xmlns:a16="http://schemas.microsoft.com/office/drawing/2014/main" id="{C753C28E-AD38-3B43-8782-B6A0FE146241}"/>
+              </a:ext>
+            </a:extLst>
+          </p:cNvPr>
+          <p:cNvGrpSpPr/>
+          <p:nvPr/>
+        </p:nvGrpSpPr>
+        <p:grpSpPr>
+          <a:xfrm>
+            <a:off x="3765176" y="1171904"/>
+            <a:ext cx="1631886" cy="405841"/>
+            <a:chOff x="1174376" y="1205245"/>
+            <a:chExt cx="1631886" cy="405841"/>
+          </a:xfrm>
+        </p:grpSpPr>
+        <p:sp>
+          <p:nvSpPr>
+            <p:cNvPr id="28" name="직사각형 27">
+              <a:extLst>
+                <a:ext uri="{FF2B5EF4-FFF2-40B4-BE49-F238E27FC236}">
+                  <a16:creationId xmlns:a16="http://schemas.microsoft.com/office/drawing/2014/main" id="{D327A2FE-1530-F447-A98C-C53F17BE0C4E}"/>
+                </a:ext>
+              </a:extLst>
+            </p:cNvPr>
+            <p:cNvSpPr/>
+            <p:nvPr/>
+          </p:nvSpPr>
+          <p:spPr>
+            <a:xfrm>
+              <a:off x="1174376" y="1205245"/>
+              <a:ext cx="1631886" cy="405841"/>
+            </a:xfrm>
+            <a:prstGeom prst="rect">
+              <a:avLst/>
+            </a:prstGeom>
+            <a:ln w="25400">
+              <a:solidFill>
+                <a:srgbClr val="5DA2C5"/>
+              </a:solidFill>
+            </a:ln>
+          </p:spPr>
+          <p:style>
+            <a:lnRef idx="1">
+              <a:schemeClr val="accent1"/>
+            </a:lnRef>
+            <a:fillRef idx="0">
+              <a:schemeClr val="accent1"/>
+            </a:fillRef>
+            <a:effectRef idx="0">
+              <a:schemeClr val="accent1"/>
+            </a:effectRef>
+            <a:fontRef idx="minor">
+              <a:schemeClr val="tx1"/>
+            </a:fontRef>
+          </p:style>
+          <p:txBody>
+            <a:bodyPr rtlCol="0" anchor="ctr"/>
+            <a:lstStyle/>
+            <a:p>
+              <a:pPr algn="ctr"/>
+              <a:endParaRPr kumimoji="1" lang="ko-Kore-KR" altLang="en-US"/>
+            </a:p>
+          </p:txBody>
+        </p:sp>
+        <p:sp>
+          <p:nvSpPr>
+            <p:cNvPr id="29" name="TextBox 28">
+              <a:extLst>
+                <a:ext uri="{FF2B5EF4-FFF2-40B4-BE49-F238E27FC236}">
+                  <a16:creationId xmlns:a16="http://schemas.microsoft.com/office/drawing/2014/main" id="{21F83F7A-864E-6C41-A99D-9F72BA10EF24}"/>
+                </a:ext>
+              </a:extLst>
+            </p:cNvPr>
+            <p:cNvSpPr txBox="1"/>
+            <p:nvPr/>
+          </p:nvSpPr>
+          <p:spPr>
+            <a:xfrm>
+              <a:off x="1343106" y="1268305"/>
+              <a:ext cx="1305502" cy="276999"/>
+            </a:xfrm>
+            <a:prstGeom prst="rect">
+              <a:avLst/>
+            </a:prstGeom>
+            <a:noFill/>
+          </p:spPr>
+          <p:txBody>
+            <a:bodyPr wrap="square" rtlCol="0">
+              <a:spAutoFit/>
+            </a:bodyPr>
+            <a:lstStyle/>
+            <a:p>
+              <a:pPr algn="ctr"/>
+              <a:r>
+                <a:rPr kumimoji="1" lang="ko-KR" altLang="en-US" sz="1200" dirty="0">
+                  <a:solidFill>
+                    <a:srgbClr val="5DA2C5"/>
+                  </a:solidFill>
+                  <a:latin typeface="SHeadG" panose="02030600000101010101" pitchFamily="18" charset="-127"/>
+                  <a:ea typeface="SHeadG" panose="02030600000101010101" pitchFamily="18" charset="-127"/>
+                </a:rPr>
+                <a:t>웹사이트 사용자 </a:t>
+              </a:r>
+              <a:r>
+                <a:rPr kumimoji="1" lang="en-US" altLang="ko-KR" sz="1200" dirty="0">
+                  <a:solidFill>
+                    <a:srgbClr val="5DA2C5"/>
+                  </a:solidFill>
+                  <a:latin typeface="SHeadG" panose="02030600000101010101" pitchFamily="18" charset="-127"/>
+                  <a:ea typeface="SHeadG" panose="02030600000101010101" pitchFamily="18" charset="-127"/>
+                </a:rPr>
+                <a:t>2</a:t>
+              </a:r>
+              <a:endParaRPr kumimoji="1" lang="ko-Kore-KR" altLang="en-US" sz="1200" dirty="0">
+                <a:solidFill>
+                  <a:srgbClr val="5DA2C5"/>
+                </a:solidFill>
+                <a:latin typeface="SHeadG" panose="02030600000101010101" pitchFamily="18" charset="-127"/>
+                <a:ea typeface="SHeadG" panose="02030600000101010101" pitchFamily="18" charset="-127"/>
+              </a:endParaRPr>
+            </a:p>
+          </p:txBody>
+        </p:sp>
+      </p:grpSp>
+      <p:grpSp>
+        <p:nvGrpSpPr>
+          <p:cNvPr id="30" name="그룹 29">
+            <a:extLst>
+              <a:ext uri="{FF2B5EF4-FFF2-40B4-BE49-F238E27FC236}">
+                <a16:creationId xmlns:a16="http://schemas.microsoft.com/office/drawing/2014/main" id="{D34D8A89-C2B1-3647-8CEF-D8CDB038CDC5}"/>
+              </a:ext>
+            </a:extLst>
+          </p:cNvPr>
+          <p:cNvGrpSpPr/>
+          <p:nvPr/>
+        </p:nvGrpSpPr>
+        <p:grpSpPr>
+          <a:xfrm>
+            <a:off x="3765176" y="1674149"/>
+            <a:ext cx="1631886" cy="405841"/>
+            <a:chOff x="1174376" y="1205245"/>
+            <a:chExt cx="1631886" cy="405841"/>
+          </a:xfrm>
+        </p:grpSpPr>
+        <p:sp>
+          <p:nvSpPr>
+            <p:cNvPr id="31" name="직사각형 30">
+              <a:extLst>
+                <a:ext uri="{FF2B5EF4-FFF2-40B4-BE49-F238E27FC236}">
+                  <a16:creationId xmlns:a16="http://schemas.microsoft.com/office/drawing/2014/main" id="{BE914F8E-9079-0F45-B18F-48050541EF97}"/>
+                </a:ext>
+              </a:extLst>
+            </p:cNvPr>
+            <p:cNvSpPr/>
+            <p:nvPr/>
+          </p:nvSpPr>
+          <p:spPr>
+            <a:xfrm>
+              <a:off x="1174376" y="1205245"/>
+              <a:ext cx="1631886" cy="405841"/>
+            </a:xfrm>
+            <a:prstGeom prst="rect">
+              <a:avLst/>
+            </a:prstGeom>
+            <a:ln w="25400">
+              <a:solidFill>
+                <a:srgbClr val="5DA2C5"/>
+              </a:solidFill>
+            </a:ln>
+          </p:spPr>
+          <p:style>
+            <a:lnRef idx="1">
+              <a:schemeClr val="accent1"/>
+            </a:lnRef>
+            <a:fillRef idx="0">
+              <a:schemeClr val="accent1"/>
+            </a:fillRef>
+            <a:effectRef idx="0">
+              <a:schemeClr val="accent1"/>
+            </a:effectRef>
+            <a:fontRef idx="minor">
+              <a:schemeClr val="tx1"/>
+            </a:fontRef>
+          </p:style>
+          <p:txBody>
+            <a:bodyPr rtlCol="0" anchor="ctr"/>
+            <a:lstStyle/>
+            <a:p>
+              <a:pPr algn="ctr"/>
+              <a:endParaRPr kumimoji="1" lang="ko-Kore-KR" altLang="en-US"/>
+            </a:p>
+          </p:txBody>
+        </p:sp>
+        <p:sp>
+          <p:nvSpPr>
+            <p:cNvPr id="32" name="TextBox 31">
+              <a:extLst>
+                <a:ext uri="{FF2B5EF4-FFF2-40B4-BE49-F238E27FC236}">
+                  <a16:creationId xmlns:a16="http://schemas.microsoft.com/office/drawing/2014/main" id="{8C12066D-9DFE-764E-87BB-4569A7706B92}"/>
+                </a:ext>
+              </a:extLst>
+            </p:cNvPr>
+            <p:cNvSpPr txBox="1"/>
+            <p:nvPr/>
+          </p:nvSpPr>
+          <p:spPr>
+            <a:xfrm>
+              <a:off x="1343106" y="1268305"/>
+              <a:ext cx="1305502" cy="276999"/>
+            </a:xfrm>
+            <a:prstGeom prst="rect">
+              <a:avLst/>
+            </a:prstGeom>
+            <a:noFill/>
+          </p:spPr>
+          <p:txBody>
+            <a:bodyPr wrap="square" rtlCol="0">
+              <a:spAutoFit/>
+            </a:bodyPr>
+            <a:lstStyle/>
+            <a:p>
+              <a:pPr algn="ctr"/>
+              <a:r>
+                <a:rPr kumimoji="1" lang="ko-KR" altLang="en-US" sz="1200" dirty="0">
+                  <a:solidFill>
+                    <a:srgbClr val="5DA2C5"/>
+                  </a:solidFill>
+                  <a:latin typeface="SHeadG" panose="02030600000101010101" pitchFamily="18" charset="-127"/>
+                  <a:ea typeface="SHeadG" panose="02030600000101010101" pitchFamily="18" charset="-127"/>
+                </a:rPr>
+                <a:t>웹사이트 사용자 </a:t>
+              </a:r>
+              <a:r>
+                <a:rPr kumimoji="1" lang="en-US" altLang="ko-KR" sz="1200" dirty="0">
+                  <a:solidFill>
+                    <a:srgbClr val="5DA2C5"/>
+                  </a:solidFill>
+                  <a:latin typeface="SHeadG" panose="02030600000101010101" pitchFamily="18" charset="-127"/>
+                  <a:ea typeface="SHeadG" panose="02030600000101010101" pitchFamily="18" charset="-127"/>
+                </a:rPr>
+                <a:t>3</a:t>
+              </a:r>
+              <a:endParaRPr kumimoji="1" lang="ko-Kore-KR" altLang="en-US" sz="1200" dirty="0">
+                <a:solidFill>
+                  <a:srgbClr val="5DA2C5"/>
+                </a:solidFill>
+                <a:latin typeface="SHeadG" panose="02030600000101010101" pitchFamily="18" charset="-127"/>
+                <a:ea typeface="SHeadG" panose="02030600000101010101" pitchFamily="18" charset="-127"/>
+              </a:endParaRPr>
+            </a:p>
+          </p:txBody>
+        </p:sp>
+      </p:grpSp>
+      <p:cxnSp>
+        <p:nvCxnSpPr>
+          <p:cNvPr id="33" name="직선 화살표 연결선 32">
+            <a:extLst>
+              <a:ext uri="{FF2B5EF4-FFF2-40B4-BE49-F238E27FC236}">
+                <a16:creationId xmlns:a16="http://schemas.microsoft.com/office/drawing/2014/main" id="{80835C81-C757-5146-8B3B-CAD813E5E345}"/>
+              </a:ext>
+            </a:extLst>
+          </p:cNvPr>
+          <p:cNvCxnSpPr>
+            <a:cxnSpLocks/>
+            <a:endCxn id="25" idx="1"/>
+          </p:cNvCxnSpPr>
+          <p:nvPr/>
+        </p:nvCxnSpPr>
+        <p:spPr>
+          <a:xfrm flipV="1">
+            <a:off x="2806262" y="872580"/>
+            <a:ext cx="958914" cy="362384"/>
+          </a:xfrm>
+          <a:prstGeom prst="straightConnector1">
+            <a:avLst/>
+          </a:prstGeom>
+          <a:ln w="19050">
+            <a:solidFill>
+              <a:srgbClr val="5DA2C5"/>
+            </a:solidFill>
+            <a:headEnd type="stealth" w="lg" len="lg"/>
+            <a:tailEnd type="stealth" w="lg" len="lg"/>
+          </a:ln>
+        </p:spPr>
+        <p:style>
+          <a:lnRef idx="1">
+            <a:schemeClr val="accent1"/>
+          </a:lnRef>
+          <a:fillRef idx="0">
+            <a:schemeClr val="accent1"/>
+          </a:fillRef>
+          <a:effectRef idx="0">
+            <a:schemeClr val="accent1"/>
+          </a:effectRef>
+          <a:fontRef idx="minor">
+            <a:schemeClr val="tx1"/>
+          </a:fontRef>
+        </p:style>
+      </p:cxnSp>
+      <p:cxnSp>
+        <p:nvCxnSpPr>
+          <p:cNvPr id="36" name="직선 화살표 연결선 35">
+            <a:extLst>
+              <a:ext uri="{FF2B5EF4-FFF2-40B4-BE49-F238E27FC236}">
+                <a16:creationId xmlns:a16="http://schemas.microsoft.com/office/drawing/2014/main" id="{4ECD5ACC-55C3-FD43-B528-0CF4A50E7524}"/>
+              </a:ext>
+            </a:extLst>
+          </p:cNvPr>
+          <p:cNvCxnSpPr>
+            <a:cxnSpLocks/>
+            <a:endCxn id="31" idx="1"/>
+          </p:cNvCxnSpPr>
+          <p:nvPr/>
+        </p:nvCxnSpPr>
+        <p:spPr>
+          <a:xfrm>
+            <a:off x="2806262" y="1577745"/>
+            <a:ext cx="958914" cy="299325"/>
+          </a:xfrm>
+          <a:prstGeom prst="straightConnector1">
+            <a:avLst/>
+          </a:prstGeom>
+          <a:ln w="19050">
+            <a:solidFill>
+              <a:srgbClr val="5DA2C5"/>
+            </a:solidFill>
+            <a:headEnd type="stealth" w="lg" len="lg"/>
+            <a:tailEnd type="stealth" w="lg" len="lg"/>
+          </a:ln>
+        </p:spPr>
+        <p:style>
+          <a:lnRef idx="1">
+            <a:schemeClr val="accent1"/>
+          </a:lnRef>
+          <a:fillRef idx="0">
+            <a:schemeClr val="accent1"/>
+          </a:fillRef>
+          <a:effectRef idx="0">
+            <a:schemeClr val="accent1"/>
+          </a:effectRef>
+          <a:fontRef idx="minor">
+            <a:schemeClr val="tx1"/>
+          </a:fontRef>
+        </p:style>
+      </p:cxnSp>
+      <p:cxnSp>
+        <p:nvCxnSpPr>
+          <p:cNvPr id="39" name="직선 화살표 연결선 38">
+            <a:extLst>
+              <a:ext uri="{FF2B5EF4-FFF2-40B4-BE49-F238E27FC236}">
+                <a16:creationId xmlns:a16="http://schemas.microsoft.com/office/drawing/2014/main" id="{EF953621-60BF-374F-BD2B-84E757D82877}"/>
+              </a:ext>
+            </a:extLst>
+          </p:cNvPr>
+          <p:cNvCxnSpPr>
+            <a:cxnSpLocks/>
+            <a:stCxn id="76" idx="3"/>
+            <a:endCxn id="28" idx="1"/>
+          </p:cNvCxnSpPr>
+          <p:nvPr/>
+        </p:nvCxnSpPr>
+        <p:spPr>
+          <a:xfrm flipV="1">
+            <a:off x="2806262" y="1374825"/>
+            <a:ext cx="958914" cy="12989"/>
+          </a:xfrm>
+          <a:prstGeom prst="straightConnector1">
+            <a:avLst/>
+          </a:prstGeom>
+          <a:ln w="19050">
+            <a:solidFill>
+              <a:srgbClr val="5DA2C5"/>
+            </a:solidFill>
+            <a:headEnd type="stealth" w="lg" len="lg"/>
+            <a:tailEnd type="stealth" w="lg" len="lg"/>
+          </a:ln>
+        </p:spPr>
+        <p:style>
+          <a:lnRef idx="1">
+            <a:schemeClr val="accent1"/>
+          </a:lnRef>
+          <a:fillRef idx="0">
+            <a:schemeClr val="accent1"/>
+          </a:fillRef>
+          <a:effectRef idx="0">
+            <a:schemeClr val="accent1"/>
+          </a:effectRef>
+          <a:fontRef idx="minor">
+            <a:schemeClr val="tx1"/>
+          </a:fontRef>
+        </p:style>
+      </p:cxnSp>
+      <p:grpSp>
+        <p:nvGrpSpPr>
+          <p:cNvPr id="43" name="그룹 42">
+            <a:extLst>
+              <a:ext uri="{FF2B5EF4-FFF2-40B4-BE49-F238E27FC236}">
+                <a16:creationId xmlns:a16="http://schemas.microsoft.com/office/drawing/2014/main" id="{A025B2C8-75CC-3A49-A9CC-B376A18323ED}"/>
+              </a:ext>
+            </a:extLst>
+          </p:cNvPr>
+          <p:cNvGrpSpPr/>
+          <p:nvPr/>
+        </p:nvGrpSpPr>
+        <p:grpSpPr>
+          <a:xfrm>
+            <a:off x="1174376" y="2793201"/>
+            <a:ext cx="940863" cy="534681"/>
+            <a:chOff x="1174376" y="1076405"/>
+            <a:chExt cx="1631886" cy="534681"/>
+          </a:xfrm>
+        </p:grpSpPr>
+        <p:sp>
+          <p:nvSpPr>
+            <p:cNvPr id="44" name="직사각형 43">
+              <a:extLst>
+                <a:ext uri="{FF2B5EF4-FFF2-40B4-BE49-F238E27FC236}">
+                  <a16:creationId xmlns:a16="http://schemas.microsoft.com/office/drawing/2014/main" id="{21387F39-C52B-DC48-9AA1-C8C8D34F0F37}"/>
+                </a:ext>
+              </a:extLst>
+            </p:cNvPr>
+            <p:cNvSpPr/>
+            <p:nvPr/>
+          </p:nvSpPr>
+          <p:spPr>
+            <a:xfrm>
+              <a:off x="1174376" y="1076405"/>
+              <a:ext cx="1631886" cy="534681"/>
+            </a:xfrm>
+            <a:prstGeom prst="rect">
+              <a:avLst/>
+            </a:prstGeom>
+            <a:ln w="25400">
+              <a:solidFill>
+                <a:srgbClr val="5DA2C5"/>
+              </a:solidFill>
+            </a:ln>
+          </p:spPr>
+          <p:style>
+            <a:lnRef idx="1">
+              <a:schemeClr val="accent1"/>
+            </a:lnRef>
+            <a:fillRef idx="0">
+              <a:schemeClr val="accent1"/>
+            </a:fillRef>
+            <a:effectRef idx="0">
+              <a:schemeClr val="accent1"/>
+            </a:effectRef>
+            <a:fontRef idx="minor">
+              <a:schemeClr val="tx1"/>
+            </a:fontRef>
+          </p:style>
+          <p:txBody>
+            <a:bodyPr rtlCol="0" anchor="ctr"/>
+            <a:lstStyle/>
+            <a:p>
+              <a:pPr algn="ctr"/>
+              <a:endParaRPr kumimoji="1" lang="ko-Kore-KR" altLang="en-US"/>
+            </a:p>
+          </p:txBody>
+        </p:sp>
+        <p:sp>
+          <p:nvSpPr>
+            <p:cNvPr id="45" name="TextBox 44">
+              <a:extLst>
+                <a:ext uri="{FF2B5EF4-FFF2-40B4-BE49-F238E27FC236}">
+                  <a16:creationId xmlns:a16="http://schemas.microsoft.com/office/drawing/2014/main" id="{C5A781DD-73FD-0549-9E0D-1BE6B5EE0E43}"/>
+                </a:ext>
+              </a:extLst>
+            </p:cNvPr>
+            <p:cNvSpPr txBox="1"/>
+            <p:nvPr/>
+          </p:nvSpPr>
+          <p:spPr>
+            <a:xfrm>
+              <a:off x="1343106" y="1205245"/>
+              <a:ext cx="1305502" cy="276999"/>
+            </a:xfrm>
+            <a:prstGeom prst="rect">
+              <a:avLst/>
+            </a:prstGeom>
+            <a:noFill/>
+          </p:spPr>
+          <p:txBody>
+            <a:bodyPr wrap="square" rtlCol="0">
+              <a:spAutoFit/>
+            </a:bodyPr>
+            <a:lstStyle/>
+            <a:p>
+              <a:pPr algn="ctr"/>
+              <a:r>
+                <a:rPr kumimoji="1" lang="ko-KR" altLang="en-US" sz="1200" dirty="0">
+                  <a:solidFill>
+                    <a:srgbClr val="5DA2C5"/>
+                  </a:solidFill>
+                  <a:latin typeface="SHeadG" panose="02030600000101010101" pitchFamily="18" charset="-127"/>
+                  <a:ea typeface="SHeadG" panose="02030600000101010101" pitchFamily="18" charset="-127"/>
+                </a:rPr>
+                <a:t>서버</a:t>
+              </a:r>
+              <a:endParaRPr kumimoji="1" lang="ko-Kore-KR" altLang="en-US" sz="1200" dirty="0">
+                <a:solidFill>
+                  <a:srgbClr val="5DA2C5"/>
+                </a:solidFill>
+                <a:latin typeface="SHeadG" panose="02030600000101010101" pitchFamily="18" charset="-127"/>
+                <a:ea typeface="SHeadG" panose="02030600000101010101" pitchFamily="18" charset="-127"/>
+              </a:endParaRPr>
+            </a:p>
+          </p:txBody>
+        </p:sp>
+      </p:grpSp>
+      <p:grpSp>
+        <p:nvGrpSpPr>
+          <p:cNvPr id="47" name="그룹 46">
+            <a:extLst>
+              <a:ext uri="{FF2B5EF4-FFF2-40B4-BE49-F238E27FC236}">
+                <a16:creationId xmlns:a16="http://schemas.microsoft.com/office/drawing/2014/main" id="{F8C2B621-135F-0D46-A1FA-2525BE120173}"/>
+              </a:ext>
+            </a:extLst>
+          </p:cNvPr>
+          <p:cNvGrpSpPr/>
+          <p:nvPr/>
+        </p:nvGrpSpPr>
+        <p:grpSpPr>
+          <a:xfrm>
+            <a:off x="4110687" y="2793199"/>
+            <a:ext cx="1286375" cy="590505"/>
+            <a:chOff x="1174376" y="1076405"/>
+            <a:chExt cx="1631886" cy="590505"/>
+          </a:xfrm>
+        </p:grpSpPr>
+        <p:sp>
+          <p:nvSpPr>
+            <p:cNvPr id="48" name="직사각형 47">
+              <a:extLst>
+                <a:ext uri="{FF2B5EF4-FFF2-40B4-BE49-F238E27FC236}">
+                  <a16:creationId xmlns:a16="http://schemas.microsoft.com/office/drawing/2014/main" id="{C6719C50-DE28-ED47-87E5-3B815CC2B111}"/>
+                </a:ext>
+              </a:extLst>
+            </p:cNvPr>
+            <p:cNvSpPr/>
+            <p:nvPr/>
+          </p:nvSpPr>
+          <p:spPr>
+            <a:xfrm>
+              <a:off x="1174376" y="1076405"/>
+              <a:ext cx="1631886" cy="534681"/>
+            </a:xfrm>
+            <a:prstGeom prst="rect">
+              <a:avLst/>
+            </a:prstGeom>
+            <a:ln w="25400">
+              <a:solidFill>
+                <a:srgbClr val="5DA2C5"/>
+              </a:solidFill>
+            </a:ln>
+          </p:spPr>
+          <p:style>
+            <a:lnRef idx="1">
+              <a:schemeClr val="accent1"/>
+            </a:lnRef>
+            <a:fillRef idx="0">
+              <a:schemeClr val="accent1"/>
+            </a:fillRef>
+            <a:effectRef idx="0">
+              <a:schemeClr val="accent1"/>
+            </a:effectRef>
+            <a:fontRef idx="minor">
+              <a:schemeClr val="tx1"/>
+            </a:fontRef>
+          </p:style>
+          <p:txBody>
+            <a:bodyPr rtlCol="0" anchor="ctr"/>
+            <a:lstStyle/>
+            <a:p>
+              <a:pPr algn="ctr"/>
+              <a:endParaRPr kumimoji="1" lang="ko-Kore-KR" altLang="en-US"/>
+            </a:p>
+          </p:txBody>
+        </p:sp>
+        <p:sp>
+          <p:nvSpPr>
+            <p:cNvPr id="49" name="TextBox 48">
+              <a:extLst>
+                <a:ext uri="{FF2B5EF4-FFF2-40B4-BE49-F238E27FC236}">
+                  <a16:creationId xmlns:a16="http://schemas.microsoft.com/office/drawing/2014/main" id="{237FB25F-5852-1E48-AEC7-44A4ADCCE2B8}"/>
+                </a:ext>
+              </a:extLst>
+            </p:cNvPr>
+            <p:cNvSpPr txBox="1"/>
+            <p:nvPr/>
+          </p:nvSpPr>
+          <p:spPr>
+            <a:xfrm>
+              <a:off x="1343106" y="1205245"/>
+              <a:ext cx="1305501" cy="461665"/>
+            </a:xfrm>
+            <a:prstGeom prst="rect">
+              <a:avLst/>
+            </a:prstGeom>
+            <a:noFill/>
+          </p:spPr>
+          <p:txBody>
+            <a:bodyPr wrap="square" rtlCol="0">
+              <a:spAutoFit/>
+            </a:bodyPr>
+            <a:lstStyle/>
+            <a:p>
+              <a:pPr algn="ctr"/>
+              <a:r>
+                <a:rPr kumimoji="1" lang="ko-KR" altLang="en-US" sz="1200" dirty="0">
+                  <a:solidFill>
+                    <a:srgbClr val="5DA2C5"/>
+                  </a:solidFill>
+                  <a:latin typeface="SHeadG" panose="02030600000101010101" pitchFamily="18" charset="-127"/>
+                  <a:ea typeface="SHeadG" panose="02030600000101010101" pitchFamily="18" charset="-127"/>
+                </a:rPr>
+                <a:t>클라이언트</a:t>
+              </a:r>
+              <a:endParaRPr kumimoji="1" lang="ko-Kore-KR" altLang="en-US" sz="1200" dirty="0">
+                <a:solidFill>
+                  <a:srgbClr val="5DA2C5"/>
+                </a:solidFill>
+                <a:latin typeface="SHeadG" panose="02030600000101010101" pitchFamily="18" charset="-127"/>
+                <a:ea typeface="SHeadG" panose="02030600000101010101" pitchFamily="18" charset="-127"/>
+              </a:endParaRPr>
+            </a:p>
+          </p:txBody>
+        </p:sp>
+      </p:grpSp>
+      <p:cxnSp>
+        <p:nvCxnSpPr>
+          <p:cNvPr id="50" name="직선 화살표 연결선 49">
+            <a:extLst>
+              <a:ext uri="{FF2B5EF4-FFF2-40B4-BE49-F238E27FC236}">
+                <a16:creationId xmlns:a16="http://schemas.microsoft.com/office/drawing/2014/main" id="{318E566D-B855-6441-AD99-D99935256315}"/>
+              </a:ext>
+            </a:extLst>
+          </p:cNvPr>
+          <p:cNvCxnSpPr>
+            <a:cxnSpLocks/>
+          </p:cNvCxnSpPr>
+          <p:nvPr/>
+        </p:nvCxnSpPr>
+        <p:spPr>
+          <a:xfrm>
+            <a:off x="2137095" y="3199040"/>
+            <a:ext cx="1973592" cy="0"/>
+          </a:xfrm>
+          <a:prstGeom prst="straightConnector1">
+            <a:avLst/>
+          </a:prstGeom>
+          <a:ln w="19050">
+            <a:solidFill>
+              <a:srgbClr val="5DA2C5"/>
+            </a:solidFill>
+            <a:tailEnd type="stealth" w="lg" len="lg"/>
+          </a:ln>
+        </p:spPr>
+        <p:style>
+          <a:lnRef idx="1">
+            <a:schemeClr val="accent1"/>
+          </a:lnRef>
+          <a:fillRef idx="0">
+            <a:schemeClr val="accent1"/>
+          </a:fillRef>
+          <a:effectRef idx="0">
+            <a:schemeClr val="accent1"/>
+          </a:effectRef>
+          <a:fontRef idx="minor">
+            <a:schemeClr val="tx1"/>
+          </a:fontRef>
+        </p:style>
+      </p:cxnSp>
+      <p:cxnSp>
+        <p:nvCxnSpPr>
+          <p:cNvPr id="52" name="직선 화살표 연결선 51">
+            <a:extLst>
+              <a:ext uri="{FF2B5EF4-FFF2-40B4-BE49-F238E27FC236}">
+                <a16:creationId xmlns:a16="http://schemas.microsoft.com/office/drawing/2014/main" id="{563AED87-4B22-1842-9DD4-55B6F6EB9D4F}"/>
+              </a:ext>
+            </a:extLst>
+          </p:cNvPr>
+          <p:cNvCxnSpPr>
+            <a:cxnSpLocks/>
+          </p:cNvCxnSpPr>
+          <p:nvPr/>
+        </p:nvCxnSpPr>
+        <p:spPr>
+          <a:xfrm flipH="1">
+            <a:off x="2104044" y="2933056"/>
+            <a:ext cx="1973592" cy="0"/>
+          </a:xfrm>
+          <a:prstGeom prst="straightConnector1">
+            <a:avLst/>
+          </a:prstGeom>
+          <a:ln w="19050">
+            <a:solidFill>
+              <a:srgbClr val="5DA2C5"/>
+            </a:solidFill>
+            <a:tailEnd type="stealth" w="lg" len="lg"/>
+          </a:ln>
+        </p:spPr>
+        <p:style>
+          <a:lnRef idx="1">
+            <a:schemeClr val="accent1"/>
+          </a:lnRef>
+          <a:fillRef idx="0">
+            <a:schemeClr val="accent1"/>
+          </a:fillRef>
+          <a:effectRef idx="0">
+            <a:schemeClr val="accent1"/>
+          </a:effectRef>
+          <a:fontRef idx="minor">
+            <a:schemeClr val="tx1"/>
+          </a:fontRef>
+        </p:style>
+      </p:cxnSp>
+      <p:sp>
+        <p:nvSpPr>
+          <p:cNvPr id="14" name="직사각형 13">
+            <a:extLst>
+              <a:ext uri="{FF2B5EF4-FFF2-40B4-BE49-F238E27FC236}">
+                <a16:creationId xmlns:a16="http://schemas.microsoft.com/office/drawing/2014/main" id="{A053B5F8-BF69-DF4A-AB47-0C50EB833F65}"/>
+              </a:ext>
+            </a:extLst>
+          </p:cNvPr>
+          <p:cNvSpPr/>
+          <p:nvPr/>
+        </p:nvSpPr>
+        <p:spPr>
+          <a:xfrm>
+            <a:off x="2280654" y="2627478"/>
+            <a:ext cx="1752914" cy="246221"/>
+          </a:xfrm>
+          <a:prstGeom prst="rect">
+            <a:avLst/>
+          </a:prstGeom>
+        </p:spPr>
+        <p:txBody>
+          <a:bodyPr wrap="square">
+            <a:spAutoFit/>
+          </a:bodyPr>
+          <a:lstStyle/>
+          <a:p>
+            <a:pPr algn="ctr"/>
+            <a:r>
+              <a:rPr kumimoji="1" lang="ko-KR" altLang="en-US" sz="1000" dirty="0">
+                <a:solidFill>
+                  <a:srgbClr val="5DA2C5"/>
+                </a:solidFill>
+                <a:latin typeface="SHeadG" panose="02030600000101010101" pitchFamily="18" charset="-127"/>
+                <a:ea typeface="SHeadG" panose="02030600000101010101" pitchFamily="18" charset="-127"/>
+              </a:rPr>
+              <a:t>클라이언트가 풀로 데이터 요청</a:t>
+            </a:r>
+            <a:endParaRPr lang="ko-Kore-KR" altLang="en-US" sz="1000" dirty="0"/>
+          </a:p>
+        </p:txBody>
+      </p:sp>
+      <p:sp>
+        <p:nvSpPr>
+          <p:cNvPr id="56" name="직사각형 55">
+            <a:extLst>
+              <a:ext uri="{FF2B5EF4-FFF2-40B4-BE49-F238E27FC236}">
+                <a16:creationId xmlns:a16="http://schemas.microsoft.com/office/drawing/2014/main" id="{3FA59B26-B01D-2C40-9CC1-A5852F0E6752}"/>
+              </a:ext>
+            </a:extLst>
+          </p:cNvPr>
+          <p:cNvSpPr/>
+          <p:nvPr/>
+        </p:nvSpPr>
+        <p:spPr>
+          <a:xfrm>
+            <a:off x="2247434" y="3260593"/>
+            <a:ext cx="1752914" cy="246221"/>
+          </a:xfrm>
+          <a:prstGeom prst="rect">
+            <a:avLst/>
+          </a:prstGeom>
+        </p:spPr>
+        <p:txBody>
+          <a:bodyPr wrap="square">
+            <a:spAutoFit/>
+          </a:bodyPr>
+          <a:lstStyle/>
+          <a:p>
+            <a:pPr algn="ctr"/>
+            <a:r>
+              <a:rPr kumimoji="1" lang="ko-KR" altLang="en-US" sz="1000" dirty="0">
+                <a:solidFill>
+                  <a:srgbClr val="5DA2C5"/>
+                </a:solidFill>
+                <a:latin typeface="SHeadG" panose="02030600000101010101" pitchFamily="18" charset="-127"/>
+                <a:ea typeface="SHeadG" panose="02030600000101010101" pitchFamily="18" charset="-127"/>
+              </a:rPr>
+              <a:t>서버가 데이터로 응답</a:t>
+            </a:r>
+            <a:endParaRPr lang="ko-Kore-KR" altLang="en-US" sz="1000" dirty="0"/>
+          </a:p>
+        </p:txBody>
+      </p:sp>
+      <p:grpSp>
+        <p:nvGrpSpPr>
+          <p:cNvPr id="67" name="그룹 66">
+            <a:extLst>
+              <a:ext uri="{FF2B5EF4-FFF2-40B4-BE49-F238E27FC236}">
+                <a16:creationId xmlns:a16="http://schemas.microsoft.com/office/drawing/2014/main" id="{A468A209-CD8C-4547-A0A5-4367E7A1B434}"/>
+              </a:ext>
+            </a:extLst>
+          </p:cNvPr>
+          <p:cNvGrpSpPr/>
+          <p:nvPr/>
+        </p:nvGrpSpPr>
+        <p:grpSpPr>
+          <a:xfrm>
+            <a:off x="1174376" y="4446930"/>
+            <a:ext cx="940863" cy="534681"/>
+            <a:chOff x="1174376" y="1076405"/>
+            <a:chExt cx="1631886" cy="534681"/>
+          </a:xfrm>
+        </p:grpSpPr>
+        <p:sp>
+          <p:nvSpPr>
+            <p:cNvPr id="68" name="직사각형 67">
+              <a:extLst>
+                <a:ext uri="{FF2B5EF4-FFF2-40B4-BE49-F238E27FC236}">
+                  <a16:creationId xmlns:a16="http://schemas.microsoft.com/office/drawing/2014/main" id="{6DB3E6F1-0D13-2642-8F30-DF8E226148BD}"/>
+                </a:ext>
+              </a:extLst>
+            </p:cNvPr>
+            <p:cNvSpPr/>
+            <p:nvPr/>
+          </p:nvSpPr>
+          <p:spPr>
+            <a:xfrm>
+              <a:off x="1174376" y="1076405"/>
+              <a:ext cx="1631886" cy="534681"/>
+            </a:xfrm>
+            <a:prstGeom prst="rect">
+              <a:avLst/>
+            </a:prstGeom>
+            <a:ln w="25400">
+              <a:solidFill>
+                <a:srgbClr val="5DA2C5"/>
+              </a:solidFill>
+            </a:ln>
+          </p:spPr>
+          <p:style>
+            <a:lnRef idx="1">
+              <a:schemeClr val="accent1"/>
+            </a:lnRef>
+            <a:fillRef idx="0">
+              <a:schemeClr val="accent1"/>
+            </a:fillRef>
+            <a:effectRef idx="0">
+              <a:schemeClr val="accent1"/>
+            </a:effectRef>
+            <a:fontRef idx="minor">
+              <a:schemeClr val="tx1"/>
+            </a:fontRef>
+          </p:style>
+          <p:txBody>
+            <a:bodyPr rtlCol="0" anchor="ctr"/>
+            <a:lstStyle/>
+            <a:p>
+              <a:pPr algn="ctr"/>
+              <a:endParaRPr kumimoji="1" lang="ko-Kore-KR" altLang="en-US"/>
+            </a:p>
+          </p:txBody>
+        </p:sp>
+        <p:sp>
+          <p:nvSpPr>
+            <p:cNvPr id="69" name="TextBox 68">
+              <a:extLst>
+                <a:ext uri="{FF2B5EF4-FFF2-40B4-BE49-F238E27FC236}">
+                  <a16:creationId xmlns:a16="http://schemas.microsoft.com/office/drawing/2014/main" id="{92FD9D18-3E59-0443-94B3-0DBA8D93EA33}"/>
+                </a:ext>
+              </a:extLst>
+            </p:cNvPr>
+            <p:cNvSpPr txBox="1"/>
+            <p:nvPr/>
+          </p:nvSpPr>
+          <p:spPr>
+            <a:xfrm>
+              <a:off x="1343106" y="1205245"/>
+              <a:ext cx="1305502" cy="276999"/>
+            </a:xfrm>
+            <a:prstGeom prst="rect">
+              <a:avLst/>
+            </a:prstGeom>
+            <a:noFill/>
+          </p:spPr>
+          <p:txBody>
+            <a:bodyPr wrap="square" rtlCol="0">
+              <a:spAutoFit/>
+            </a:bodyPr>
+            <a:lstStyle/>
+            <a:p>
+              <a:pPr algn="ctr"/>
+              <a:r>
+                <a:rPr kumimoji="1" lang="ko-KR" altLang="en-US" sz="1200" dirty="0">
+                  <a:solidFill>
+                    <a:srgbClr val="5DA2C5"/>
+                  </a:solidFill>
+                  <a:latin typeface="SHeadG" panose="02030600000101010101" pitchFamily="18" charset="-127"/>
+                  <a:ea typeface="SHeadG" panose="02030600000101010101" pitchFamily="18" charset="-127"/>
+                </a:rPr>
+                <a:t>서버</a:t>
+              </a:r>
+              <a:endParaRPr kumimoji="1" lang="ko-Kore-KR" altLang="en-US" sz="1200" dirty="0">
+                <a:solidFill>
+                  <a:srgbClr val="5DA2C5"/>
+                </a:solidFill>
+                <a:latin typeface="SHeadG" panose="02030600000101010101" pitchFamily="18" charset="-127"/>
+                <a:ea typeface="SHeadG" panose="02030600000101010101" pitchFamily="18" charset="-127"/>
+              </a:endParaRPr>
+            </a:p>
+          </p:txBody>
+        </p:sp>
+      </p:grpSp>
+      <p:grpSp>
+        <p:nvGrpSpPr>
+          <p:cNvPr id="70" name="그룹 69">
+            <a:extLst>
+              <a:ext uri="{FF2B5EF4-FFF2-40B4-BE49-F238E27FC236}">
+                <a16:creationId xmlns:a16="http://schemas.microsoft.com/office/drawing/2014/main" id="{16540EF5-EE5B-F449-8594-2EB2B708BD2C}"/>
+              </a:ext>
+            </a:extLst>
+          </p:cNvPr>
+          <p:cNvGrpSpPr/>
+          <p:nvPr/>
+        </p:nvGrpSpPr>
+        <p:grpSpPr>
+          <a:xfrm>
+            <a:off x="4110687" y="4446928"/>
+            <a:ext cx="1286375" cy="590505"/>
+            <a:chOff x="1174376" y="1076405"/>
+            <a:chExt cx="1631886" cy="590505"/>
+          </a:xfrm>
+        </p:grpSpPr>
+        <p:sp>
+          <p:nvSpPr>
+            <p:cNvPr id="71" name="직사각형 70">
+              <a:extLst>
+                <a:ext uri="{FF2B5EF4-FFF2-40B4-BE49-F238E27FC236}">
+                  <a16:creationId xmlns:a16="http://schemas.microsoft.com/office/drawing/2014/main" id="{26C19770-4E99-5746-B485-94ACADADE3F7}"/>
+                </a:ext>
+              </a:extLst>
+            </p:cNvPr>
+            <p:cNvSpPr/>
+            <p:nvPr/>
+          </p:nvSpPr>
+          <p:spPr>
+            <a:xfrm>
+              <a:off x="1174376" y="1076405"/>
+              <a:ext cx="1631886" cy="534681"/>
+            </a:xfrm>
+            <a:prstGeom prst="rect">
+              <a:avLst/>
+            </a:prstGeom>
+            <a:ln w="25400">
+              <a:solidFill>
+                <a:srgbClr val="5DA2C5"/>
+              </a:solidFill>
+            </a:ln>
+          </p:spPr>
+          <p:style>
+            <a:lnRef idx="1">
+              <a:schemeClr val="accent1"/>
+            </a:lnRef>
+            <a:fillRef idx="0">
+              <a:schemeClr val="accent1"/>
+            </a:fillRef>
+            <a:effectRef idx="0">
+              <a:schemeClr val="accent1"/>
+            </a:effectRef>
+            <a:fontRef idx="minor">
+              <a:schemeClr val="tx1"/>
+            </a:fontRef>
+          </p:style>
+          <p:txBody>
+            <a:bodyPr rtlCol="0" anchor="ctr"/>
+            <a:lstStyle/>
+            <a:p>
+              <a:pPr algn="ctr"/>
+              <a:endParaRPr kumimoji="1" lang="ko-Kore-KR" altLang="en-US"/>
+            </a:p>
+          </p:txBody>
+        </p:sp>
+        <p:sp>
+          <p:nvSpPr>
+            <p:cNvPr id="72" name="TextBox 71">
+              <a:extLst>
+                <a:ext uri="{FF2B5EF4-FFF2-40B4-BE49-F238E27FC236}">
+                  <a16:creationId xmlns:a16="http://schemas.microsoft.com/office/drawing/2014/main" id="{EDE5421A-3471-6146-A50C-F5DFB184F78F}"/>
+                </a:ext>
+              </a:extLst>
+            </p:cNvPr>
+            <p:cNvSpPr txBox="1"/>
+            <p:nvPr/>
+          </p:nvSpPr>
+          <p:spPr>
+            <a:xfrm>
+              <a:off x="1343106" y="1205245"/>
+              <a:ext cx="1305501" cy="461665"/>
+            </a:xfrm>
+            <a:prstGeom prst="rect">
+              <a:avLst/>
+            </a:prstGeom>
+            <a:noFill/>
+          </p:spPr>
+          <p:txBody>
+            <a:bodyPr wrap="square" rtlCol="0">
+              <a:spAutoFit/>
+            </a:bodyPr>
+            <a:lstStyle/>
+            <a:p>
+              <a:pPr algn="ctr"/>
+              <a:r>
+                <a:rPr kumimoji="1" lang="ko-KR" altLang="en-US" sz="1200" dirty="0">
+                  <a:solidFill>
+                    <a:srgbClr val="5DA2C5"/>
+                  </a:solidFill>
+                  <a:latin typeface="SHeadG" panose="02030600000101010101" pitchFamily="18" charset="-127"/>
+                  <a:ea typeface="SHeadG" panose="02030600000101010101" pitchFamily="18" charset="-127"/>
+                </a:rPr>
+                <a:t>클라이언트</a:t>
+              </a:r>
+              <a:endParaRPr kumimoji="1" lang="ko-Kore-KR" altLang="en-US" sz="1200" dirty="0">
+                <a:solidFill>
+                  <a:srgbClr val="5DA2C5"/>
+                </a:solidFill>
+                <a:latin typeface="SHeadG" panose="02030600000101010101" pitchFamily="18" charset="-127"/>
+                <a:ea typeface="SHeadG" panose="02030600000101010101" pitchFamily="18" charset="-127"/>
+              </a:endParaRPr>
+            </a:p>
+          </p:txBody>
+        </p:sp>
+      </p:grpSp>
+      <p:cxnSp>
+        <p:nvCxnSpPr>
+          <p:cNvPr id="73" name="직선 화살표 연결선 72">
+            <a:extLst>
+              <a:ext uri="{FF2B5EF4-FFF2-40B4-BE49-F238E27FC236}">
+                <a16:creationId xmlns:a16="http://schemas.microsoft.com/office/drawing/2014/main" id="{8A3788C9-79DB-AB41-BC19-4102165479FC}"/>
+              </a:ext>
+            </a:extLst>
+          </p:cNvPr>
+          <p:cNvCxnSpPr>
+            <a:cxnSpLocks/>
+          </p:cNvCxnSpPr>
+          <p:nvPr/>
+        </p:nvCxnSpPr>
+        <p:spPr>
+          <a:xfrm>
+            <a:off x="2137095" y="4720567"/>
+            <a:ext cx="1973592" cy="0"/>
+          </a:xfrm>
+          <a:prstGeom prst="straightConnector1">
+            <a:avLst/>
+          </a:prstGeom>
+          <a:ln w="19050">
+            <a:solidFill>
+              <a:srgbClr val="5DA2C5"/>
+            </a:solidFill>
+            <a:tailEnd type="stealth" w="lg" len="lg"/>
+          </a:ln>
+        </p:spPr>
+        <p:style>
+          <a:lnRef idx="1">
+            <a:schemeClr val="accent1"/>
+          </a:lnRef>
+          <a:fillRef idx="0">
+            <a:schemeClr val="accent1"/>
+          </a:fillRef>
+          <a:effectRef idx="0">
+            <a:schemeClr val="accent1"/>
+          </a:effectRef>
+          <a:fontRef idx="minor">
+            <a:schemeClr val="tx1"/>
+          </a:fontRef>
+        </p:style>
+      </p:cxnSp>
+      <p:sp>
+        <p:nvSpPr>
+          <p:cNvPr id="77" name="직사각형 76">
+            <a:extLst>
+              <a:ext uri="{FF2B5EF4-FFF2-40B4-BE49-F238E27FC236}">
+                <a16:creationId xmlns:a16="http://schemas.microsoft.com/office/drawing/2014/main" id="{37506332-E67D-124D-8C4D-C37905B895D3}"/>
+              </a:ext>
+            </a:extLst>
+          </p:cNvPr>
+          <p:cNvSpPr/>
+          <p:nvPr/>
+        </p:nvSpPr>
+        <p:spPr>
+          <a:xfrm>
+            <a:off x="2236506" y="4768097"/>
+            <a:ext cx="1752914" cy="246221"/>
+          </a:xfrm>
+          <a:prstGeom prst="rect">
+            <a:avLst/>
+          </a:prstGeom>
+        </p:spPr>
+        <p:txBody>
+          <a:bodyPr wrap="square">
+            <a:spAutoFit/>
+          </a:bodyPr>
+          <a:lstStyle/>
+          <a:p>
+            <a:pPr algn="ctr"/>
+            <a:r>
+              <a:rPr kumimoji="1" lang="ko-KR" altLang="en-US" sz="1000" dirty="0">
+                <a:solidFill>
+                  <a:srgbClr val="5DA2C5"/>
+                </a:solidFill>
+                <a:latin typeface="SHeadG" panose="02030600000101010101" pitchFamily="18" charset="-127"/>
+                <a:ea typeface="SHeadG" panose="02030600000101010101" pitchFamily="18" charset="-127"/>
+              </a:rPr>
+              <a:t>데이터를 클라이언트로 푸시</a:t>
+            </a:r>
+            <a:endParaRPr lang="ko-Kore-KR" altLang="en-US" sz="1000" dirty="0"/>
+          </a:p>
+        </p:txBody>
+      </p:sp>
+    </p:spTree>
+    <p:extLst>
+      <p:ext uri="{BB962C8B-B14F-4D97-AF65-F5344CB8AC3E}">
+        <p14:creationId xmlns:p14="http://schemas.microsoft.com/office/powerpoint/2010/main" val="468944924"/>
+      </p:ext>
+    </p:extLst>
+  </p:cSld>
+  <p:clrMapOvr>
+    <a:masterClrMapping/>
+  </p:clrMapOvr>
+</p:sld>
+</file>
+
+<file path=ppt/slides/slide3.xml><?xml version="1.0" encoding="utf-8"?>
+<p:sld xmlns:a="http://schemas.openxmlformats.org/drawingml/2006/main" xmlns:r="http://schemas.openxmlformats.org/officeDocument/2006/relationships" xmlns:p="http://schemas.openxmlformats.org/presentationml/2006/main">
+  <p:cSld>
+    <p:spTree>
+      <p:nvGrpSpPr>
+        <p:cNvPr id="1" name=""/>
+        <p:cNvGrpSpPr/>
+        <p:nvPr/>
+      </p:nvGrpSpPr>
+      <p:grpSpPr>
+        <a:xfrm>
+          <a:off x="0" y="0"/>
+          <a:ext cx="0" cy="0"/>
+          <a:chOff x="0" y="0"/>
+          <a:chExt cx="0" cy="0"/>
+        </a:xfrm>
+      </p:grpSpPr>
+      <p:grpSp>
+        <p:nvGrpSpPr>
+          <p:cNvPr id="3" name="그룹 2">
+            <a:extLst>
+              <a:ext uri="{FF2B5EF4-FFF2-40B4-BE49-F238E27FC236}">
+                <a16:creationId xmlns:a16="http://schemas.microsoft.com/office/drawing/2014/main" id="{DD16A2AC-C6F9-1A40-9C41-2064BC7E76F7}"/>
+              </a:ext>
+            </a:extLst>
+          </p:cNvPr>
+          <p:cNvGrpSpPr/>
+          <p:nvPr/>
+        </p:nvGrpSpPr>
+        <p:grpSpPr>
+          <a:xfrm>
+            <a:off x="1847348" y="1120473"/>
+            <a:ext cx="958914" cy="534681"/>
+            <a:chOff x="1174376" y="1076405"/>
+            <a:chExt cx="1631886" cy="534681"/>
+          </a:xfrm>
+        </p:grpSpPr>
+        <p:sp>
+          <p:nvSpPr>
+            <p:cNvPr id="76" name="직사각형 75">
+              <a:extLst>
+                <a:ext uri="{FF2B5EF4-FFF2-40B4-BE49-F238E27FC236}">
+                  <a16:creationId xmlns:a16="http://schemas.microsoft.com/office/drawing/2014/main" id="{0D8F85C7-930B-B142-8D7A-4F51C23DA8E8}"/>
+                </a:ext>
+              </a:extLst>
+            </p:cNvPr>
+            <p:cNvSpPr/>
+            <p:nvPr/>
+          </p:nvSpPr>
+          <p:spPr>
+            <a:xfrm>
+              <a:off x="1174376" y="1076405"/>
+              <a:ext cx="1631886" cy="534681"/>
+            </a:xfrm>
+            <a:prstGeom prst="rect">
+              <a:avLst/>
+            </a:prstGeom>
+            <a:ln w="25400">
+              <a:solidFill>
+                <a:srgbClr val="5DA2C5"/>
+              </a:solidFill>
+            </a:ln>
+          </p:spPr>
+          <p:style>
+            <a:lnRef idx="1">
+              <a:schemeClr val="accent1"/>
+            </a:lnRef>
+            <a:fillRef idx="0">
+              <a:schemeClr val="accent1"/>
+            </a:fillRef>
+            <a:effectRef idx="0">
+              <a:schemeClr val="accent1"/>
+            </a:effectRef>
+            <a:fontRef idx="minor">
+              <a:schemeClr val="tx1"/>
+            </a:fontRef>
+          </p:style>
+          <p:txBody>
+            <a:bodyPr rtlCol="0" anchor="ctr"/>
+            <a:lstStyle/>
+            <a:p>
+              <a:pPr algn="ctr"/>
+              <a:endParaRPr kumimoji="1" lang="ko-Kore-KR" altLang="en-US"/>
+            </a:p>
+          </p:txBody>
+        </p:sp>
+        <p:sp>
+          <p:nvSpPr>
+            <p:cNvPr id="78" name="TextBox 77">
+              <a:extLst>
+                <a:ext uri="{FF2B5EF4-FFF2-40B4-BE49-F238E27FC236}">
+                  <a16:creationId xmlns:a16="http://schemas.microsoft.com/office/drawing/2014/main" id="{11955C75-6854-A54A-94CF-268215F0AA91}"/>
+                </a:ext>
+              </a:extLst>
+            </p:cNvPr>
+            <p:cNvSpPr txBox="1"/>
+            <p:nvPr/>
+          </p:nvSpPr>
+          <p:spPr>
+            <a:xfrm>
+              <a:off x="1343106" y="1205245"/>
+              <a:ext cx="1305502" cy="276999"/>
+            </a:xfrm>
+            <a:prstGeom prst="rect">
+              <a:avLst/>
+            </a:prstGeom>
+            <a:noFill/>
+          </p:spPr>
+          <p:txBody>
+            <a:bodyPr wrap="square" rtlCol="0">
+              <a:spAutoFit/>
+            </a:bodyPr>
+            <a:lstStyle/>
+            <a:p>
+              <a:pPr algn="ctr"/>
+              <a:r>
+                <a:rPr kumimoji="1" lang="ko-KR" altLang="en-US" sz="1200" dirty="0">
+                  <a:solidFill>
+                    <a:srgbClr val="5DA2C5"/>
+                  </a:solidFill>
+                  <a:latin typeface="SHeadG" panose="02030600000101010101" pitchFamily="18" charset="-127"/>
+                  <a:ea typeface="SHeadG" panose="02030600000101010101" pitchFamily="18" charset="-127"/>
+                </a:rPr>
+                <a:t>서버</a:t>
+              </a:r>
+              <a:endParaRPr kumimoji="1" lang="ko-Kore-KR" altLang="en-US" sz="1200" dirty="0">
+                <a:solidFill>
+                  <a:srgbClr val="5DA2C5"/>
+                </a:solidFill>
+                <a:latin typeface="SHeadG" panose="02030600000101010101" pitchFamily="18" charset="-127"/>
+                <a:ea typeface="SHeadG" panose="02030600000101010101" pitchFamily="18" charset="-127"/>
+              </a:endParaRPr>
+            </a:p>
+          </p:txBody>
+        </p:sp>
+      </p:grpSp>
+      <p:grpSp>
+        <p:nvGrpSpPr>
+          <p:cNvPr id="24" name="그룹 23">
+            <a:extLst>
+              <a:ext uri="{FF2B5EF4-FFF2-40B4-BE49-F238E27FC236}">
+                <a16:creationId xmlns:a16="http://schemas.microsoft.com/office/drawing/2014/main" id="{BEE0C6D3-D088-C044-A331-F091A0D82A88}"/>
+              </a:ext>
+            </a:extLst>
+          </p:cNvPr>
+          <p:cNvGrpSpPr/>
+          <p:nvPr/>
+        </p:nvGrpSpPr>
+        <p:grpSpPr>
+          <a:xfrm>
+            <a:off x="4514323" y="714632"/>
+            <a:ext cx="1082246" cy="405841"/>
+            <a:chOff x="1174376" y="1205245"/>
+            <a:chExt cx="1631886" cy="405841"/>
+          </a:xfrm>
+        </p:grpSpPr>
+        <p:sp>
+          <p:nvSpPr>
+            <p:cNvPr id="25" name="직사각형 24">
+              <a:extLst>
+                <a:ext uri="{FF2B5EF4-FFF2-40B4-BE49-F238E27FC236}">
+                  <a16:creationId xmlns:a16="http://schemas.microsoft.com/office/drawing/2014/main" id="{3B7CE8D5-6CB9-C745-9738-07A4076ABFD8}"/>
+                </a:ext>
+              </a:extLst>
+            </p:cNvPr>
+            <p:cNvSpPr/>
+            <p:nvPr/>
+          </p:nvSpPr>
+          <p:spPr>
+            <a:xfrm>
+              <a:off x="1174376" y="1205245"/>
+              <a:ext cx="1631886" cy="405841"/>
+            </a:xfrm>
+            <a:prstGeom prst="rect">
+              <a:avLst/>
+            </a:prstGeom>
+            <a:ln w="25400">
+              <a:solidFill>
+                <a:srgbClr val="5DA2C5"/>
+              </a:solidFill>
+            </a:ln>
+          </p:spPr>
+          <p:style>
+            <a:lnRef idx="1">
+              <a:schemeClr val="accent1"/>
+            </a:lnRef>
+            <a:fillRef idx="0">
+              <a:schemeClr val="accent1"/>
+            </a:fillRef>
+            <a:effectRef idx="0">
+              <a:schemeClr val="accent1"/>
+            </a:effectRef>
+            <a:fontRef idx="minor">
+              <a:schemeClr val="tx1"/>
+            </a:fontRef>
+          </p:style>
+          <p:txBody>
+            <a:bodyPr rtlCol="0" anchor="ctr"/>
+            <a:lstStyle/>
+            <a:p>
+              <a:pPr algn="ctr"/>
+              <a:endParaRPr kumimoji="1" lang="ko-Kore-KR" altLang="en-US"/>
+            </a:p>
+          </p:txBody>
+        </p:sp>
+        <p:sp>
+          <p:nvSpPr>
+            <p:cNvPr id="26" name="TextBox 25">
+              <a:extLst>
+                <a:ext uri="{FF2B5EF4-FFF2-40B4-BE49-F238E27FC236}">
+                  <a16:creationId xmlns:a16="http://schemas.microsoft.com/office/drawing/2014/main" id="{C5A449AA-CB73-C349-B593-AA9E35BFD10D}"/>
+                </a:ext>
+              </a:extLst>
+            </p:cNvPr>
+            <p:cNvSpPr txBox="1"/>
+            <p:nvPr/>
+          </p:nvSpPr>
+          <p:spPr>
+            <a:xfrm>
+              <a:off x="1343106" y="1268305"/>
+              <a:ext cx="1305502" cy="276999"/>
+            </a:xfrm>
+            <a:prstGeom prst="rect">
+              <a:avLst/>
+            </a:prstGeom>
+            <a:noFill/>
+          </p:spPr>
+          <p:txBody>
+            <a:bodyPr wrap="square" rtlCol="0">
+              <a:spAutoFit/>
+            </a:bodyPr>
+            <a:lstStyle/>
+            <a:p>
+              <a:pPr algn="ctr"/>
+              <a:r>
+                <a:rPr kumimoji="1" lang="ko-KR" altLang="en-US" sz="1200" dirty="0">
+                  <a:solidFill>
+                    <a:srgbClr val="5DA2C5"/>
+                  </a:solidFill>
+                  <a:latin typeface="SHeadG" panose="02030600000101010101" pitchFamily="18" charset="-127"/>
+                  <a:ea typeface="SHeadG" panose="02030600000101010101" pitchFamily="18" charset="-127"/>
+                </a:rPr>
+                <a:t>웹사이트</a:t>
+              </a:r>
+              <a:endParaRPr kumimoji="1" lang="ko-Kore-KR" altLang="en-US" sz="1200" dirty="0">
+                <a:solidFill>
+                  <a:srgbClr val="5DA2C5"/>
+                </a:solidFill>
+                <a:latin typeface="SHeadG" panose="02030600000101010101" pitchFamily="18" charset="-127"/>
+                <a:ea typeface="SHeadG" panose="02030600000101010101" pitchFamily="18" charset="-127"/>
+              </a:endParaRPr>
+            </a:p>
+          </p:txBody>
+        </p:sp>
+      </p:grpSp>
+      <p:grpSp>
+        <p:nvGrpSpPr>
+          <p:cNvPr id="30" name="그룹 29">
+            <a:extLst>
+              <a:ext uri="{FF2B5EF4-FFF2-40B4-BE49-F238E27FC236}">
+                <a16:creationId xmlns:a16="http://schemas.microsoft.com/office/drawing/2014/main" id="{D34D8A89-C2B1-3647-8CEF-D8CDB038CDC5}"/>
+              </a:ext>
+            </a:extLst>
+          </p:cNvPr>
+          <p:cNvGrpSpPr/>
+          <p:nvPr/>
+        </p:nvGrpSpPr>
+        <p:grpSpPr>
+          <a:xfrm>
+            <a:off x="4514323" y="1719122"/>
+            <a:ext cx="1082246" cy="405841"/>
+            <a:chOff x="1174376" y="1205245"/>
+            <a:chExt cx="1631886" cy="405841"/>
+          </a:xfrm>
+        </p:grpSpPr>
+        <p:sp>
+          <p:nvSpPr>
+            <p:cNvPr id="31" name="직사각형 30">
+              <a:extLst>
+                <a:ext uri="{FF2B5EF4-FFF2-40B4-BE49-F238E27FC236}">
+                  <a16:creationId xmlns:a16="http://schemas.microsoft.com/office/drawing/2014/main" id="{BE914F8E-9079-0F45-B18F-48050541EF97}"/>
+                </a:ext>
+              </a:extLst>
+            </p:cNvPr>
+            <p:cNvSpPr/>
+            <p:nvPr/>
+          </p:nvSpPr>
+          <p:spPr>
+            <a:xfrm>
+              <a:off x="1174376" y="1205245"/>
+              <a:ext cx="1631886" cy="405841"/>
+            </a:xfrm>
+            <a:prstGeom prst="rect">
+              <a:avLst/>
+            </a:prstGeom>
+            <a:ln w="25400">
+              <a:solidFill>
+                <a:srgbClr val="5DA2C5"/>
+              </a:solidFill>
+            </a:ln>
+          </p:spPr>
+          <p:style>
+            <a:lnRef idx="1">
+              <a:schemeClr val="accent1"/>
+            </a:lnRef>
+            <a:fillRef idx="0">
+              <a:schemeClr val="accent1"/>
+            </a:fillRef>
+            <a:effectRef idx="0">
+              <a:schemeClr val="accent1"/>
+            </a:effectRef>
+            <a:fontRef idx="minor">
+              <a:schemeClr val="tx1"/>
+            </a:fontRef>
+          </p:style>
+          <p:txBody>
+            <a:bodyPr rtlCol="0" anchor="ctr"/>
+            <a:lstStyle/>
+            <a:p>
+              <a:pPr algn="ctr"/>
+              <a:endParaRPr kumimoji="1" lang="ko-Kore-KR" altLang="en-US"/>
+            </a:p>
+          </p:txBody>
+        </p:sp>
+        <p:sp>
+          <p:nvSpPr>
+            <p:cNvPr id="32" name="TextBox 31">
+              <a:extLst>
+                <a:ext uri="{FF2B5EF4-FFF2-40B4-BE49-F238E27FC236}">
+                  <a16:creationId xmlns:a16="http://schemas.microsoft.com/office/drawing/2014/main" id="{8C12066D-9DFE-764E-87BB-4569A7706B92}"/>
+                </a:ext>
+              </a:extLst>
+            </p:cNvPr>
+            <p:cNvSpPr txBox="1"/>
+            <p:nvPr/>
+          </p:nvSpPr>
+          <p:spPr>
+            <a:xfrm>
+              <a:off x="1343106" y="1268305"/>
+              <a:ext cx="1305502" cy="276999"/>
+            </a:xfrm>
+            <a:prstGeom prst="rect">
+              <a:avLst/>
+            </a:prstGeom>
+            <a:noFill/>
+          </p:spPr>
+          <p:txBody>
+            <a:bodyPr wrap="square" rtlCol="0">
+              <a:spAutoFit/>
+            </a:bodyPr>
+            <a:lstStyle/>
+            <a:p>
+              <a:pPr algn="ctr"/>
+              <a:r>
+                <a:rPr kumimoji="1" lang="ko-KR" altLang="en-US" sz="1200" dirty="0">
+                  <a:solidFill>
+                    <a:srgbClr val="5DA2C5"/>
+                  </a:solidFill>
+                  <a:latin typeface="SHeadG" panose="02030600000101010101" pitchFamily="18" charset="-127"/>
+                  <a:ea typeface="SHeadG" panose="02030600000101010101" pitchFamily="18" charset="-127"/>
+                </a:rPr>
+                <a:t>모바일</a:t>
+              </a:r>
+              <a:endParaRPr kumimoji="1" lang="ko-Kore-KR" altLang="en-US" sz="1200" dirty="0">
+                <a:solidFill>
+                  <a:srgbClr val="5DA2C5"/>
+                </a:solidFill>
+                <a:latin typeface="SHeadG" panose="02030600000101010101" pitchFamily="18" charset="-127"/>
+                <a:ea typeface="SHeadG" panose="02030600000101010101" pitchFamily="18" charset="-127"/>
+              </a:endParaRPr>
+            </a:p>
+          </p:txBody>
+        </p:sp>
+      </p:grpSp>
+      <p:cxnSp>
+        <p:nvCxnSpPr>
+          <p:cNvPr id="33" name="직선 화살표 연결선 32">
+            <a:extLst>
+              <a:ext uri="{FF2B5EF4-FFF2-40B4-BE49-F238E27FC236}">
+                <a16:creationId xmlns:a16="http://schemas.microsoft.com/office/drawing/2014/main" id="{80835C81-C757-5146-8B3B-CAD813E5E345}"/>
+              </a:ext>
+            </a:extLst>
+          </p:cNvPr>
+          <p:cNvCxnSpPr>
+            <a:cxnSpLocks/>
+            <a:endCxn id="25" idx="1"/>
+          </p:cNvCxnSpPr>
+          <p:nvPr/>
+        </p:nvCxnSpPr>
+        <p:spPr>
+          <a:xfrm flipV="1">
+            <a:off x="2825523" y="917553"/>
+            <a:ext cx="1688800" cy="331760"/>
+          </a:xfrm>
+          <a:prstGeom prst="straightConnector1">
+            <a:avLst/>
+          </a:prstGeom>
+          <a:ln w="19050">
+            <a:solidFill>
+              <a:srgbClr val="5DA2C5"/>
+            </a:solidFill>
+            <a:headEnd type="stealth" w="lg" len="lg"/>
+            <a:tailEnd type="stealth" w="lg" len="lg"/>
+          </a:ln>
+        </p:spPr>
+        <p:style>
+          <a:lnRef idx="1">
+            <a:schemeClr val="accent1"/>
+          </a:lnRef>
+          <a:fillRef idx="0">
+            <a:schemeClr val="accent1"/>
+          </a:fillRef>
+          <a:effectRef idx="0">
+            <a:schemeClr val="accent1"/>
+          </a:effectRef>
+          <a:fontRef idx="minor">
+            <a:schemeClr val="tx1"/>
+          </a:fontRef>
+        </p:style>
+      </p:cxnSp>
+      <p:cxnSp>
+        <p:nvCxnSpPr>
+          <p:cNvPr id="36" name="직선 화살표 연결선 35">
+            <a:extLst>
+              <a:ext uri="{FF2B5EF4-FFF2-40B4-BE49-F238E27FC236}">
+                <a16:creationId xmlns:a16="http://schemas.microsoft.com/office/drawing/2014/main" id="{4ECD5ACC-55C3-FD43-B528-0CF4A50E7524}"/>
+              </a:ext>
+            </a:extLst>
+          </p:cNvPr>
+          <p:cNvCxnSpPr>
+            <a:cxnSpLocks/>
+            <a:endCxn id="31" idx="1"/>
+          </p:cNvCxnSpPr>
+          <p:nvPr/>
+        </p:nvCxnSpPr>
+        <p:spPr>
+          <a:xfrm>
+            <a:off x="2825523" y="1526312"/>
+            <a:ext cx="1688800" cy="395731"/>
+          </a:xfrm>
+          <a:prstGeom prst="straightConnector1">
+            <a:avLst/>
+          </a:prstGeom>
+          <a:ln w="19050">
+            <a:solidFill>
+              <a:srgbClr val="5DA2C5"/>
+            </a:solidFill>
+            <a:headEnd type="stealth" w="lg" len="lg"/>
+            <a:tailEnd type="stealth" w="lg" len="lg"/>
+          </a:ln>
+        </p:spPr>
+        <p:style>
+          <a:lnRef idx="1">
+            <a:schemeClr val="accent1"/>
+          </a:lnRef>
+          <a:fillRef idx="0">
+            <a:schemeClr val="accent1"/>
+          </a:fillRef>
+          <a:effectRef idx="0">
+            <a:schemeClr val="accent1"/>
+          </a:effectRef>
+          <a:fontRef idx="minor">
+            <a:schemeClr val="tx1"/>
+          </a:fontRef>
+        </p:style>
+      </p:cxnSp>
+      <p:sp>
+        <p:nvSpPr>
+          <p:cNvPr id="38" name="직사각형 37">
+            <a:extLst>
+              <a:ext uri="{FF2B5EF4-FFF2-40B4-BE49-F238E27FC236}">
+                <a16:creationId xmlns:a16="http://schemas.microsoft.com/office/drawing/2014/main" id="{781836FB-28C2-CF47-AC21-D28C652A7FC6}"/>
+              </a:ext>
+            </a:extLst>
+          </p:cNvPr>
+          <p:cNvSpPr/>
+          <p:nvPr/>
+        </p:nvSpPr>
+        <p:spPr>
+          <a:xfrm rot="20923910">
+            <a:off x="3177270" y="811082"/>
+            <a:ext cx="855110" cy="246221"/>
+          </a:xfrm>
+          <a:prstGeom prst="rect">
+            <a:avLst/>
+          </a:prstGeom>
+        </p:spPr>
+        <p:txBody>
+          <a:bodyPr wrap="square">
+            <a:spAutoFit/>
+          </a:bodyPr>
+          <a:lstStyle/>
+          <a:p>
+            <a:pPr algn="ctr"/>
+            <a:r>
+              <a:rPr kumimoji="1" lang="ko-KR" altLang="en-US" sz="1000" dirty="0" err="1">
+                <a:solidFill>
+                  <a:srgbClr val="5DA2C5"/>
+                </a:solidFill>
+                <a:latin typeface="SHeadG" panose="02030600000101010101" pitchFamily="18" charset="-127"/>
+                <a:ea typeface="SHeadG" panose="02030600000101010101" pitchFamily="18" charset="-127"/>
+              </a:rPr>
+              <a:t>웹소켓</a:t>
+            </a:r>
+            <a:endParaRPr lang="ko-Kore-KR" altLang="en-US" sz="1000" dirty="0"/>
+          </a:p>
+        </p:txBody>
+      </p:sp>
+      <p:sp>
+        <p:nvSpPr>
+          <p:cNvPr id="40" name="직사각형 39">
+            <a:extLst>
+              <a:ext uri="{FF2B5EF4-FFF2-40B4-BE49-F238E27FC236}">
+                <a16:creationId xmlns:a16="http://schemas.microsoft.com/office/drawing/2014/main" id="{7B83E92C-A985-574D-B949-9C55F71F6172}"/>
+              </a:ext>
+            </a:extLst>
+          </p:cNvPr>
+          <p:cNvSpPr/>
+          <p:nvPr/>
+        </p:nvSpPr>
+        <p:spPr>
+          <a:xfrm rot="780000">
+            <a:off x="2722059" y="1755586"/>
+            <a:ext cx="1752914" cy="246221"/>
+          </a:xfrm>
+          <a:prstGeom prst="rect">
+            <a:avLst/>
+          </a:prstGeom>
+        </p:spPr>
+        <p:txBody>
+          <a:bodyPr wrap="square">
+            <a:spAutoFit/>
+          </a:bodyPr>
+          <a:lstStyle/>
+          <a:p>
+            <a:pPr algn="ctr"/>
+            <a:r>
+              <a:rPr kumimoji="1" lang="ko-KR" altLang="en-US" sz="1000" dirty="0">
+                <a:solidFill>
+                  <a:srgbClr val="5DA2C5"/>
+                </a:solidFill>
+                <a:latin typeface="SHeadG" panose="02030600000101010101" pitchFamily="18" charset="-127"/>
+                <a:ea typeface="SHeadG" panose="02030600000101010101" pitchFamily="18" charset="-127"/>
+              </a:rPr>
+              <a:t>안드로이드 푸시 노티피케이션</a:t>
+            </a:r>
+            <a:endParaRPr lang="ko-Kore-KR" altLang="en-US" sz="1000" dirty="0"/>
+          </a:p>
+        </p:txBody>
+      </p:sp>
+    </p:spTree>
+    <p:extLst>
+      <p:ext uri="{BB962C8B-B14F-4D97-AF65-F5344CB8AC3E}">
+        <p14:creationId xmlns:p14="http://schemas.microsoft.com/office/powerpoint/2010/main" val="1884035326"/>
+      </p:ext>
+    </p:extLst>
+  </p:cSld>
+  <p:clrMapOvr>
+    <a:masterClrMapping/>
+  </p:clrMapOvr>
+</p:sld>
+</file>
+
+<file path=ppt/slides/slide4.xml><?xml version="1.0" encoding="utf-8"?>
+<p:sld xmlns:a="http://schemas.openxmlformats.org/drawingml/2006/main" xmlns:r="http://schemas.openxmlformats.org/officeDocument/2006/relationships" xmlns:p="http://schemas.openxmlformats.org/presentationml/2006/main">
+  <p:cSld>
+    <p:spTree>
+      <p:nvGrpSpPr>
+        <p:cNvPr id="1" name=""/>
+        <p:cNvGrpSpPr/>
+        <p:nvPr/>
+      </p:nvGrpSpPr>
+      <p:grpSpPr>
+        <a:xfrm>
+          <a:off x="0" y="0"/>
+          <a:ext cx="0" cy="0"/>
+          <a:chOff x="0" y="0"/>
+          <a:chExt cx="0" cy="0"/>
+        </a:xfrm>
+      </p:grpSpPr>
+      <p:grpSp>
+        <p:nvGrpSpPr>
+          <p:cNvPr id="15" name="그룹 14">
+            <a:extLst>
+              <a:ext uri="{FF2B5EF4-FFF2-40B4-BE49-F238E27FC236}">
+                <a16:creationId xmlns:a16="http://schemas.microsoft.com/office/drawing/2014/main" id="{A2F64520-BA5A-E042-845B-F5BF24F0B604}"/>
+              </a:ext>
+            </a:extLst>
+          </p:cNvPr>
+          <p:cNvGrpSpPr/>
+          <p:nvPr/>
+        </p:nvGrpSpPr>
+        <p:grpSpPr>
+          <a:xfrm>
+            <a:off x="1038051" y="962817"/>
+            <a:ext cx="1253204" cy="534681"/>
+            <a:chOff x="1174376" y="1076405"/>
+            <a:chExt cx="2132711" cy="534681"/>
+          </a:xfrm>
+        </p:grpSpPr>
+        <p:sp>
+          <p:nvSpPr>
+            <p:cNvPr id="16" name="직사각형 15">
+              <a:extLst>
+                <a:ext uri="{FF2B5EF4-FFF2-40B4-BE49-F238E27FC236}">
+                  <a16:creationId xmlns:a16="http://schemas.microsoft.com/office/drawing/2014/main" id="{849D2FB5-4F88-F644-96A2-2E22DAA528CB}"/>
+                </a:ext>
+              </a:extLst>
+            </p:cNvPr>
+            <p:cNvSpPr/>
+            <p:nvPr/>
+          </p:nvSpPr>
+          <p:spPr>
+            <a:xfrm>
+              <a:off x="1174376" y="1076405"/>
+              <a:ext cx="2132711" cy="534681"/>
+            </a:xfrm>
+            <a:prstGeom prst="rect">
+              <a:avLst/>
+            </a:prstGeom>
+            <a:ln w="25400">
+              <a:solidFill>
+                <a:srgbClr val="5DA2C5"/>
+              </a:solidFill>
+            </a:ln>
+          </p:spPr>
+          <p:style>
+            <a:lnRef idx="1">
+              <a:schemeClr val="accent1"/>
+            </a:lnRef>
+            <a:fillRef idx="0">
+              <a:schemeClr val="accent1"/>
+            </a:fillRef>
+            <a:effectRef idx="0">
+              <a:schemeClr val="accent1"/>
+            </a:effectRef>
+            <a:fontRef idx="minor">
+              <a:schemeClr val="tx1"/>
+            </a:fontRef>
+          </p:style>
+          <p:txBody>
+            <a:bodyPr rtlCol="0" anchor="ctr"/>
+            <a:lstStyle/>
+            <a:p>
+              <a:pPr algn="ctr"/>
+              <a:endParaRPr kumimoji="1" lang="ko-Kore-KR" altLang="en-US" dirty="0"/>
+            </a:p>
+          </p:txBody>
+        </p:sp>
+        <p:sp>
+          <p:nvSpPr>
+            <p:cNvPr id="17" name="TextBox 16">
+              <a:extLst>
+                <a:ext uri="{FF2B5EF4-FFF2-40B4-BE49-F238E27FC236}">
+                  <a16:creationId xmlns:a16="http://schemas.microsoft.com/office/drawing/2014/main" id="{FF64D639-3C3B-C349-9F8F-9CE9AF63DB12}"/>
+                </a:ext>
+              </a:extLst>
+            </p:cNvPr>
+            <p:cNvSpPr txBox="1"/>
+            <p:nvPr/>
+          </p:nvSpPr>
+          <p:spPr>
+            <a:xfrm>
+              <a:off x="1343107" y="1205245"/>
+              <a:ext cx="1785115" cy="276999"/>
+            </a:xfrm>
+            <a:prstGeom prst="rect">
+              <a:avLst/>
+            </a:prstGeom>
+            <a:noFill/>
+          </p:spPr>
+          <p:txBody>
+            <a:bodyPr wrap="square" rtlCol="0">
+              <a:spAutoFit/>
+            </a:bodyPr>
+            <a:lstStyle/>
+            <a:p>
+              <a:pPr algn="ctr"/>
+              <a:r>
+                <a:rPr kumimoji="1" lang="ko-KR" altLang="en-US" sz="1200" dirty="0">
+                  <a:solidFill>
+                    <a:srgbClr val="5DA2C5"/>
+                  </a:solidFill>
+                  <a:latin typeface="SHeadG" panose="02030600000101010101" pitchFamily="18" charset="-127"/>
+                  <a:ea typeface="SHeadG" panose="02030600000101010101" pitchFamily="18" charset="-127"/>
+                </a:rPr>
+                <a:t>테스트 </a:t>
+              </a:r>
+              <a:r>
+                <a:rPr kumimoji="1" lang="ko-KR" altLang="en-US" sz="1200" dirty="0" err="1">
+                  <a:solidFill>
+                    <a:srgbClr val="5DA2C5"/>
+                  </a:solidFill>
+                  <a:latin typeface="SHeadG" panose="02030600000101010101" pitchFamily="18" charset="-127"/>
+                  <a:ea typeface="SHeadG" panose="02030600000101010101" pitchFamily="18" charset="-127"/>
+                </a:rPr>
+                <a:t>하네스</a:t>
+              </a:r>
+              <a:endParaRPr kumimoji="1" lang="ko-Kore-KR" altLang="en-US" sz="1200" dirty="0">
+                <a:solidFill>
+                  <a:srgbClr val="5DA2C5"/>
+                </a:solidFill>
+                <a:latin typeface="SHeadG" panose="02030600000101010101" pitchFamily="18" charset="-127"/>
+                <a:ea typeface="SHeadG" panose="02030600000101010101" pitchFamily="18" charset="-127"/>
+              </a:endParaRPr>
+            </a:p>
+          </p:txBody>
+        </p:sp>
+      </p:grpSp>
+      <p:grpSp>
+        <p:nvGrpSpPr>
+          <p:cNvPr id="18" name="그룹 17">
+            <a:extLst>
+              <a:ext uri="{FF2B5EF4-FFF2-40B4-BE49-F238E27FC236}">
+                <a16:creationId xmlns:a16="http://schemas.microsoft.com/office/drawing/2014/main" id="{6FF652CD-B350-F042-B977-FE8425F7478F}"/>
+              </a:ext>
+            </a:extLst>
+          </p:cNvPr>
+          <p:cNvGrpSpPr/>
+          <p:nvPr/>
+        </p:nvGrpSpPr>
+        <p:grpSpPr>
+          <a:xfrm>
+            <a:off x="1027541" y="1756348"/>
+            <a:ext cx="1253204" cy="534681"/>
+            <a:chOff x="1174376" y="1076405"/>
+            <a:chExt cx="2132711" cy="534681"/>
+          </a:xfrm>
+        </p:grpSpPr>
+        <p:sp>
+          <p:nvSpPr>
+            <p:cNvPr id="19" name="직사각형 18">
+              <a:extLst>
+                <a:ext uri="{FF2B5EF4-FFF2-40B4-BE49-F238E27FC236}">
+                  <a16:creationId xmlns:a16="http://schemas.microsoft.com/office/drawing/2014/main" id="{8069E597-D128-8842-B5C7-19FE5366ECB1}"/>
+                </a:ext>
+              </a:extLst>
+            </p:cNvPr>
+            <p:cNvSpPr/>
+            <p:nvPr/>
+          </p:nvSpPr>
+          <p:spPr>
+            <a:xfrm>
+              <a:off x="1174376" y="1076405"/>
+              <a:ext cx="2132711" cy="534681"/>
+            </a:xfrm>
+            <a:prstGeom prst="rect">
+              <a:avLst/>
+            </a:prstGeom>
+            <a:ln w="25400">
+              <a:solidFill>
+                <a:srgbClr val="5DA2C5"/>
+              </a:solidFill>
+            </a:ln>
+          </p:spPr>
+          <p:style>
+            <a:lnRef idx="1">
+              <a:schemeClr val="accent1"/>
+            </a:lnRef>
+            <a:fillRef idx="0">
+              <a:schemeClr val="accent1"/>
+            </a:fillRef>
+            <a:effectRef idx="0">
+              <a:schemeClr val="accent1"/>
+            </a:effectRef>
+            <a:fontRef idx="minor">
+              <a:schemeClr val="tx1"/>
+            </a:fontRef>
+          </p:style>
+          <p:txBody>
+            <a:bodyPr rtlCol="0" anchor="ctr"/>
+            <a:lstStyle/>
+            <a:p>
+              <a:pPr algn="ctr"/>
+              <a:endParaRPr kumimoji="1" lang="ko-Kore-KR" altLang="en-US"/>
+            </a:p>
+          </p:txBody>
+        </p:sp>
+        <p:sp>
+          <p:nvSpPr>
+            <p:cNvPr id="20" name="TextBox 19">
+              <a:extLst>
+                <a:ext uri="{FF2B5EF4-FFF2-40B4-BE49-F238E27FC236}">
+                  <a16:creationId xmlns:a16="http://schemas.microsoft.com/office/drawing/2014/main" id="{6C1E9BDC-3B97-4743-AC9F-9EEC8D798159}"/>
+                </a:ext>
+              </a:extLst>
+            </p:cNvPr>
+            <p:cNvSpPr txBox="1"/>
+            <p:nvPr/>
+          </p:nvSpPr>
+          <p:spPr>
+            <a:xfrm>
+              <a:off x="1343107" y="1205245"/>
+              <a:ext cx="1785115" cy="276999"/>
+            </a:xfrm>
+            <a:prstGeom prst="rect">
+              <a:avLst/>
+            </a:prstGeom>
+            <a:noFill/>
+          </p:spPr>
+          <p:txBody>
+            <a:bodyPr wrap="square" rtlCol="0">
+              <a:spAutoFit/>
+            </a:bodyPr>
+            <a:lstStyle/>
+            <a:p>
+              <a:pPr algn="ctr"/>
+              <a:r>
+                <a:rPr kumimoji="1" lang="ko-KR" altLang="en-US" sz="1200" dirty="0" err="1">
+                  <a:solidFill>
+                    <a:srgbClr val="5DA2C5"/>
+                  </a:solidFill>
+                  <a:latin typeface="SHeadG" panose="02030600000101010101" pitchFamily="18" charset="-127"/>
+                  <a:ea typeface="SHeadG" panose="02030600000101010101" pitchFamily="18" charset="-127"/>
+                </a:rPr>
+                <a:t>웹소켓</a:t>
+              </a:r>
+              <a:r>
+                <a:rPr kumimoji="1" lang="ko-KR" altLang="en-US" sz="1200" dirty="0">
+                  <a:solidFill>
+                    <a:srgbClr val="5DA2C5"/>
+                  </a:solidFill>
+                  <a:latin typeface="SHeadG" panose="02030600000101010101" pitchFamily="18" charset="-127"/>
+                  <a:ea typeface="SHeadG" panose="02030600000101010101" pitchFamily="18" charset="-127"/>
+                </a:rPr>
+                <a:t> 어댑터</a:t>
+              </a:r>
+              <a:endParaRPr kumimoji="1" lang="ko-Kore-KR" altLang="en-US" sz="1200" dirty="0">
+                <a:solidFill>
+                  <a:srgbClr val="5DA2C5"/>
+                </a:solidFill>
+                <a:latin typeface="SHeadG" panose="02030600000101010101" pitchFamily="18" charset="-127"/>
+                <a:ea typeface="SHeadG" panose="02030600000101010101" pitchFamily="18" charset="-127"/>
+              </a:endParaRPr>
+            </a:p>
+          </p:txBody>
+        </p:sp>
+      </p:grpSp>
+      <p:grpSp>
+        <p:nvGrpSpPr>
+          <p:cNvPr id="21" name="그룹 20">
+            <a:extLst>
+              <a:ext uri="{FF2B5EF4-FFF2-40B4-BE49-F238E27FC236}">
+                <a16:creationId xmlns:a16="http://schemas.microsoft.com/office/drawing/2014/main" id="{7B001AAC-5B8A-0642-B312-46BFD7D9E366}"/>
+              </a:ext>
+            </a:extLst>
+          </p:cNvPr>
+          <p:cNvGrpSpPr/>
+          <p:nvPr/>
+        </p:nvGrpSpPr>
+        <p:grpSpPr>
+          <a:xfrm>
+            <a:off x="1024563" y="2549879"/>
+            <a:ext cx="1253204" cy="534681"/>
+            <a:chOff x="1174376" y="1076405"/>
+            <a:chExt cx="2132711" cy="534681"/>
+          </a:xfrm>
+        </p:grpSpPr>
+        <p:sp>
+          <p:nvSpPr>
+            <p:cNvPr id="22" name="직사각형 21">
+              <a:extLst>
+                <a:ext uri="{FF2B5EF4-FFF2-40B4-BE49-F238E27FC236}">
+                  <a16:creationId xmlns:a16="http://schemas.microsoft.com/office/drawing/2014/main" id="{07A38EBB-2945-A943-8B7D-4FF85B428D38}"/>
+                </a:ext>
+              </a:extLst>
+            </p:cNvPr>
+            <p:cNvSpPr/>
+            <p:nvPr/>
+          </p:nvSpPr>
+          <p:spPr>
+            <a:xfrm>
+              <a:off x="1174376" y="1076405"/>
+              <a:ext cx="2132711" cy="534681"/>
+            </a:xfrm>
+            <a:prstGeom prst="rect">
+              <a:avLst/>
+            </a:prstGeom>
+            <a:ln w="25400">
+              <a:solidFill>
+                <a:srgbClr val="5DA2C5"/>
+              </a:solidFill>
+            </a:ln>
+          </p:spPr>
+          <p:style>
+            <a:lnRef idx="1">
+              <a:schemeClr val="accent1"/>
+            </a:lnRef>
+            <a:fillRef idx="0">
+              <a:schemeClr val="accent1"/>
+            </a:fillRef>
+            <a:effectRef idx="0">
+              <a:schemeClr val="accent1"/>
+            </a:effectRef>
+            <a:fontRef idx="minor">
+              <a:schemeClr val="tx1"/>
+            </a:fontRef>
+          </p:style>
+          <p:txBody>
+            <a:bodyPr rtlCol="0" anchor="ctr"/>
+            <a:lstStyle/>
+            <a:p>
+              <a:pPr algn="ctr"/>
+              <a:endParaRPr kumimoji="1" lang="ko-Kore-KR" altLang="en-US"/>
+            </a:p>
+          </p:txBody>
+        </p:sp>
+        <p:sp>
+          <p:nvSpPr>
+            <p:cNvPr id="23" name="TextBox 22">
+              <a:extLst>
+                <a:ext uri="{FF2B5EF4-FFF2-40B4-BE49-F238E27FC236}">
+                  <a16:creationId xmlns:a16="http://schemas.microsoft.com/office/drawing/2014/main" id="{EDC167A5-06E8-CE49-86F8-1B795C9C55D2}"/>
+                </a:ext>
+              </a:extLst>
+            </p:cNvPr>
+            <p:cNvSpPr txBox="1"/>
+            <p:nvPr/>
+          </p:nvSpPr>
+          <p:spPr>
+            <a:xfrm>
+              <a:off x="1343107" y="1205245"/>
+              <a:ext cx="1785115" cy="276999"/>
+            </a:xfrm>
+            <a:prstGeom prst="rect">
+              <a:avLst/>
+            </a:prstGeom>
+            <a:noFill/>
+          </p:spPr>
+          <p:txBody>
+            <a:bodyPr wrap="square" rtlCol="0">
+              <a:spAutoFit/>
+            </a:bodyPr>
+            <a:lstStyle/>
+            <a:p>
+              <a:pPr algn="ctr"/>
+              <a:r>
+                <a:rPr kumimoji="1" lang="ko-KR" altLang="en-US" sz="1200" dirty="0">
+                  <a:solidFill>
+                    <a:srgbClr val="5DA2C5"/>
+                  </a:solidFill>
+                  <a:latin typeface="SHeadG" panose="02030600000101010101" pitchFamily="18" charset="-127"/>
+                  <a:ea typeface="SHeadG" panose="02030600000101010101" pitchFamily="18" charset="-127"/>
+                </a:rPr>
+                <a:t>웹사이트</a:t>
+              </a:r>
+              <a:endParaRPr kumimoji="1" lang="ko-Kore-KR" altLang="en-US" sz="1200" dirty="0">
+                <a:solidFill>
+                  <a:srgbClr val="5DA2C5"/>
+                </a:solidFill>
+                <a:latin typeface="SHeadG" panose="02030600000101010101" pitchFamily="18" charset="-127"/>
+                <a:ea typeface="SHeadG" panose="02030600000101010101" pitchFamily="18" charset="-127"/>
+              </a:endParaRPr>
+            </a:p>
+          </p:txBody>
+        </p:sp>
+      </p:grpSp>
+      <p:grpSp>
+        <p:nvGrpSpPr>
+          <p:cNvPr id="8" name="그룹 7">
+            <a:extLst>
+              <a:ext uri="{FF2B5EF4-FFF2-40B4-BE49-F238E27FC236}">
+                <a16:creationId xmlns:a16="http://schemas.microsoft.com/office/drawing/2014/main" id="{98FE5217-7A7D-9149-AD68-474A58BAFC1E}"/>
+              </a:ext>
+            </a:extLst>
+          </p:cNvPr>
+          <p:cNvGrpSpPr/>
+          <p:nvPr/>
+        </p:nvGrpSpPr>
+        <p:grpSpPr>
+          <a:xfrm>
+            <a:off x="4130565" y="1368656"/>
+            <a:ext cx="1450428" cy="1310063"/>
+            <a:chOff x="3962399" y="1368656"/>
+            <a:chExt cx="1450428" cy="1310063"/>
+          </a:xfrm>
+        </p:grpSpPr>
+        <p:sp>
+          <p:nvSpPr>
+            <p:cNvPr id="2" name="육각형[H] 1">
+              <a:extLst>
+                <a:ext uri="{FF2B5EF4-FFF2-40B4-BE49-F238E27FC236}">
+                  <a16:creationId xmlns:a16="http://schemas.microsoft.com/office/drawing/2014/main" id="{930B49B8-950A-0B43-974E-1FD1A97BE6D8}"/>
+                </a:ext>
+              </a:extLst>
+            </p:cNvPr>
+            <p:cNvSpPr/>
+            <p:nvPr/>
+          </p:nvSpPr>
+          <p:spPr>
+            <a:xfrm>
+              <a:off x="3962399" y="1368656"/>
+              <a:ext cx="1450428" cy="1310063"/>
+            </a:xfrm>
+            <a:prstGeom prst="hexagon">
+              <a:avLst/>
+            </a:prstGeom>
+            <a:ln w="25400">
+              <a:solidFill>
+                <a:srgbClr val="5DA2C5"/>
+              </a:solidFill>
+            </a:ln>
+          </p:spPr>
+          <p:style>
+            <a:lnRef idx="1">
+              <a:schemeClr val="accent1"/>
+            </a:lnRef>
+            <a:fillRef idx="0">
+              <a:schemeClr val="accent1"/>
+            </a:fillRef>
+            <a:effectRef idx="0">
+              <a:schemeClr val="accent1"/>
+            </a:effectRef>
+            <a:fontRef idx="minor">
+              <a:schemeClr val="tx1"/>
+            </a:fontRef>
+          </p:style>
+          <p:txBody>
+            <a:bodyPr rtlCol="0" anchor="ctr"/>
+            <a:lstStyle/>
+            <a:p>
+              <a:pPr algn="ctr"/>
+              <a:endParaRPr kumimoji="1" lang="ko-Kore-KR" altLang="en-US">
+                <a:solidFill>
+                  <a:schemeClr val="tx1"/>
+                </a:solidFill>
+              </a:endParaRPr>
+            </a:p>
+          </p:txBody>
+        </p:sp>
+        <p:sp>
+          <p:nvSpPr>
+            <p:cNvPr id="28" name="TextBox 27">
+              <a:extLst>
+                <a:ext uri="{FF2B5EF4-FFF2-40B4-BE49-F238E27FC236}">
+                  <a16:creationId xmlns:a16="http://schemas.microsoft.com/office/drawing/2014/main" id="{2D3702BF-0AFE-4A4A-A8BB-6D6DE0D9A66D}"/>
+                </a:ext>
+              </a:extLst>
+            </p:cNvPr>
+            <p:cNvSpPr txBox="1"/>
+            <p:nvPr/>
+          </p:nvSpPr>
+          <p:spPr>
+            <a:xfrm>
+              <a:off x="4163136" y="1700521"/>
+              <a:ext cx="1048953" cy="646331"/>
+            </a:xfrm>
+            <a:prstGeom prst="rect">
+              <a:avLst/>
+            </a:prstGeom>
+            <a:noFill/>
+          </p:spPr>
+          <p:txBody>
+            <a:bodyPr wrap="square" rtlCol="0">
+              <a:spAutoFit/>
+            </a:bodyPr>
+            <a:lstStyle/>
+            <a:p>
+              <a:pPr algn="ctr"/>
+              <a:r>
+                <a:rPr kumimoji="1" lang="ko-KR" altLang="en-US" sz="1200" dirty="0">
+                  <a:solidFill>
+                    <a:srgbClr val="5DA2C5"/>
+                  </a:solidFill>
+                  <a:latin typeface="SHeadG" panose="02030600000101010101" pitchFamily="18" charset="-127"/>
+                  <a:ea typeface="SHeadG" panose="02030600000101010101" pitchFamily="18" charset="-127"/>
+                </a:rPr>
+                <a:t>코어</a:t>
+              </a:r>
+              <a:endParaRPr kumimoji="1" lang="en-US" altLang="ko-KR" sz="1200" dirty="0">
+                <a:solidFill>
+                  <a:srgbClr val="5DA2C5"/>
+                </a:solidFill>
+                <a:latin typeface="SHeadG" panose="02030600000101010101" pitchFamily="18" charset="-127"/>
+                <a:ea typeface="SHeadG" panose="02030600000101010101" pitchFamily="18" charset="-127"/>
+              </a:endParaRPr>
+            </a:p>
+            <a:p>
+              <a:pPr algn="ctr"/>
+              <a:r>
+                <a:rPr kumimoji="1" lang="ko-KR" altLang="en-US" sz="1200" dirty="0">
+                  <a:solidFill>
+                    <a:srgbClr val="5DA2C5"/>
+                  </a:solidFill>
+                  <a:latin typeface="SHeadG" panose="02030600000101010101" pitchFamily="18" charset="-127"/>
+                  <a:ea typeface="SHeadG" panose="02030600000101010101" pitchFamily="18" charset="-127"/>
+                </a:rPr>
+                <a:t>비즈니스</a:t>
+              </a:r>
+              <a:endParaRPr kumimoji="1" lang="en-US" altLang="ko-KR" sz="1200" dirty="0">
+                <a:solidFill>
+                  <a:srgbClr val="5DA2C5"/>
+                </a:solidFill>
+                <a:latin typeface="SHeadG" panose="02030600000101010101" pitchFamily="18" charset="-127"/>
+                <a:ea typeface="SHeadG" panose="02030600000101010101" pitchFamily="18" charset="-127"/>
+              </a:endParaRPr>
+            </a:p>
+            <a:p>
+              <a:pPr algn="ctr"/>
+              <a:r>
+                <a:rPr kumimoji="1" lang="ko-KR" altLang="en-US" sz="1200" dirty="0" err="1">
+                  <a:solidFill>
+                    <a:srgbClr val="5DA2C5"/>
+                  </a:solidFill>
+                  <a:latin typeface="SHeadG" panose="02030600000101010101" pitchFamily="18" charset="-127"/>
+                  <a:ea typeface="SHeadG" panose="02030600000101010101" pitchFamily="18" charset="-127"/>
+                </a:rPr>
+                <a:t>로직</a:t>
+              </a:r>
+              <a:endParaRPr kumimoji="1" lang="ko-Kore-KR" altLang="en-US" sz="1200" dirty="0">
+                <a:solidFill>
+                  <a:srgbClr val="5DA2C5"/>
+                </a:solidFill>
+                <a:latin typeface="SHeadG" panose="02030600000101010101" pitchFamily="18" charset="-127"/>
+                <a:ea typeface="SHeadG" panose="02030600000101010101" pitchFamily="18" charset="-127"/>
+              </a:endParaRPr>
+            </a:p>
+          </p:txBody>
+        </p:sp>
+      </p:grpSp>
+      <p:cxnSp>
+        <p:nvCxnSpPr>
+          <p:cNvPr id="29" name="직선 화살표 연결선 28">
+            <a:extLst>
+              <a:ext uri="{FF2B5EF4-FFF2-40B4-BE49-F238E27FC236}">
+                <a16:creationId xmlns:a16="http://schemas.microsoft.com/office/drawing/2014/main" id="{7475BD23-DB4E-D14E-A8C3-E5141A56173F}"/>
+              </a:ext>
+            </a:extLst>
+          </p:cNvPr>
+          <p:cNvCxnSpPr>
+            <a:cxnSpLocks/>
+            <a:stCxn id="16" idx="3"/>
+          </p:cNvCxnSpPr>
+          <p:nvPr/>
+        </p:nvCxnSpPr>
+        <p:spPr>
+          <a:xfrm>
+            <a:off x="2291255" y="1230158"/>
+            <a:ext cx="1671145" cy="599686"/>
+          </a:xfrm>
+          <a:prstGeom prst="straightConnector1">
+            <a:avLst/>
+          </a:prstGeom>
+          <a:ln w="19050">
+            <a:solidFill>
+              <a:srgbClr val="5DA2C5"/>
+            </a:solidFill>
+            <a:tailEnd type="stealth" w="lg" len="lg"/>
+          </a:ln>
+        </p:spPr>
+        <p:style>
+          <a:lnRef idx="1">
+            <a:schemeClr val="accent1"/>
+          </a:lnRef>
+          <a:fillRef idx="0">
+            <a:schemeClr val="accent1"/>
+          </a:fillRef>
+          <a:effectRef idx="0">
+            <a:schemeClr val="accent1"/>
+          </a:effectRef>
+          <a:fontRef idx="minor">
+            <a:schemeClr val="tx1"/>
+          </a:fontRef>
+        </p:style>
+      </p:cxnSp>
+      <p:cxnSp>
+        <p:nvCxnSpPr>
+          <p:cNvPr id="34" name="직선 화살표 연결선 33">
+            <a:extLst>
+              <a:ext uri="{FF2B5EF4-FFF2-40B4-BE49-F238E27FC236}">
+                <a16:creationId xmlns:a16="http://schemas.microsoft.com/office/drawing/2014/main" id="{92A758B8-D7DF-2743-8374-CA46537592D0}"/>
+              </a:ext>
+            </a:extLst>
+          </p:cNvPr>
+          <p:cNvCxnSpPr>
+            <a:cxnSpLocks/>
+            <a:stCxn id="19" idx="3"/>
+          </p:cNvCxnSpPr>
+          <p:nvPr/>
+        </p:nvCxnSpPr>
+        <p:spPr>
+          <a:xfrm flipV="1">
+            <a:off x="2280745" y="2014612"/>
+            <a:ext cx="1681655" cy="9077"/>
+          </a:xfrm>
+          <a:prstGeom prst="straightConnector1">
+            <a:avLst/>
+          </a:prstGeom>
+          <a:ln w="19050">
+            <a:solidFill>
+              <a:srgbClr val="5DA2C5"/>
+            </a:solidFill>
+            <a:tailEnd type="stealth" w="lg" len="lg"/>
+          </a:ln>
+        </p:spPr>
+        <p:style>
+          <a:lnRef idx="1">
+            <a:schemeClr val="accent1"/>
+          </a:lnRef>
+          <a:fillRef idx="0">
+            <a:schemeClr val="accent1"/>
+          </a:fillRef>
+          <a:effectRef idx="0">
+            <a:schemeClr val="accent1"/>
+          </a:effectRef>
+          <a:fontRef idx="minor">
+            <a:schemeClr val="tx1"/>
+          </a:fontRef>
+        </p:style>
+      </p:cxnSp>
+      <p:cxnSp>
+        <p:nvCxnSpPr>
+          <p:cNvPr id="37" name="직선 화살표 연결선 36">
+            <a:extLst>
+              <a:ext uri="{FF2B5EF4-FFF2-40B4-BE49-F238E27FC236}">
+                <a16:creationId xmlns:a16="http://schemas.microsoft.com/office/drawing/2014/main" id="{0E273EF9-C5C6-D449-B42D-B693D755C59C}"/>
+              </a:ext>
+            </a:extLst>
+          </p:cNvPr>
+          <p:cNvCxnSpPr>
+            <a:cxnSpLocks/>
+            <a:stCxn id="22" idx="0"/>
+            <a:endCxn id="19" idx="2"/>
+          </p:cNvCxnSpPr>
+          <p:nvPr/>
+        </p:nvCxnSpPr>
+        <p:spPr>
+          <a:xfrm flipV="1">
+            <a:off x="1651165" y="2291029"/>
+            <a:ext cx="2978" cy="258850"/>
+          </a:xfrm>
+          <a:prstGeom prst="straightConnector1">
+            <a:avLst/>
+          </a:prstGeom>
+          <a:ln w="19050">
+            <a:solidFill>
+              <a:srgbClr val="5DA2C5"/>
+            </a:solidFill>
+            <a:tailEnd type="stealth" w="lg" len="lg"/>
+          </a:ln>
+        </p:spPr>
+        <p:style>
+          <a:lnRef idx="1">
+            <a:schemeClr val="accent1"/>
+          </a:lnRef>
+          <a:fillRef idx="0">
+            <a:schemeClr val="accent1"/>
+          </a:fillRef>
+          <a:effectRef idx="0">
+            <a:schemeClr val="accent1"/>
+          </a:effectRef>
+          <a:fontRef idx="minor">
+            <a:schemeClr val="tx1"/>
+          </a:fontRef>
+        </p:style>
+      </p:cxnSp>
+      <p:sp>
+        <p:nvSpPr>
+          <p:cNvPr id="39" name="TextBox 38">
+            <a:extLst>
+              <a:ext uri="{FF2B5EF4-FFF2-40B4-BE49-F238E27FC236}">
+                <a16:creationId xmlns:a16="http://schemas.microsoft.com/office/drawing/2014/main" id="{96A3CD89-D543-E34F-A622-BD480CD2E1CD}"/>
+              </a:ext>
+            </a:extLst>
+          </p:cNvPr>
+          <p:cNvSpPr txBox="1"/>
+          <p:nvPr/>
+        </p:nvSpPr>
+        <p:spPr>
+          <a:xfrm>
+            <a:off x="2385848" y="1737613"/>
+            <a:ext cx="1048953" cy="276999"/>
+          </a:xfrm>
+          <a:prstGeom prst="rect">
+            <a:avLst/>
+          </a:prstGeom>
+          <a:noFill/>
+        </p:spPr>
+        <p:txBody>
+          <a:bodyPr wrap="square" rtlCol="0">
+            <a:spAutoFit/>
+          </a:bodyPr>
+          <a:lstStyle/>
+          <a:p>
+            <a:pPr algn="ctr"/>
+            <a:r>
+              <a:rPr kumimoji="1" lang="en-US" altLang="ko-Kore-KR" sz="1200" dirty="0">
+                <a:solidFill>
+                  <a:srgbClr val="5DA2C5"/>
+                </a:solidFill>
+                <a:latin typeface="SHeadG" panose="02030600000101010101" pitchFamily="18" charset="-127"/>
+                <a:ea typeface="SHeadG" panose="02030600000101010101" pitchFamily="18" charset="-127"/>
+              </a:rPr>
+              <a:t>UI </a:t>
+            </a:r>
+            <a:r>
+              <a:rPr kumimoji="1" lang="ko-Kore-KR" altLang="en-US" sz="1200" dirty="0">
+                <a:solidFill>
+                  <a:srgbClr val="5DA2C5"/>
+                </a:solidFill>
+                <a:latin typeface="SHeadG" panose="02030600000101010101" pitchFamily="18" charset="-127"/>
+                <a:ea typeface="SHeadG" panose="02030600000101010101" pitchFamily="18" charset="-127"/>
+              </a:rPr>
+              <a:t>포트</a:t>
+            </a:r>
+          </a:p>
+        </p:txBody>
+      </p:sp>
+      <p:grpSp>
+        <p:nvGrpSpPr>
+          <p:cNvPr id="41" name="그룹 40">
+            <a:extLst>
+              <a:ext uri="{FF2B5EF4-FFF2-40B4-BE49-F238E27FC236}">
+                <a16:creationId xmlns:a16="http://schemas.microsoft.com/office/drawing/2014/main" id="{7F93BDBA-7AAE-F240-ADA3-F9F7BFFAC49F}"/>
+              </a:ext>
+            </a:extLst>
+          </p:cNvPr>
+          <p:cNvGrpSpPr/>
+          <p:nvPr/>
+        </p:nvGrpSpPr>
+        <p:grpSpPr>
+          <a:xfrm>
+            <a:off x="7441323" y="962817"/>
+            <a:ext cx="1253204" cy="534681"/>
+            <a:chOff x="1174376" y="1076405"/>
+            <a:chExt cx="2132711" cy="534681"/>
+          </a:xfrm>
+        </p:grpSpPr>
+        <p:sp>
+          <p:nvSpPr>
+            <p:cNvPr id="42" name="직사각형 41">
+              <a:extLst>
+                <a:ext uri="{FF2B5EF4-FFF2-40B4-BE49-F238E27FC236}">
+                  <a16:creationId xmlns:a16="http://schemas.microsoft.com/office/drawing/2014/main" id="{89D84ED5-B3F1-0348-BE3D-328BA70C3EA1}"/>
+                </a:ext>
+              </a:extLst>
+            </p:cNvPr>
+            <p:cNvSpPr/>
+            <p:nvPr/>
+          </p:nvSpPr>
+          <p:spPr>
+            <a:xfrm>
+              <a:off x="1174376" y="1076405"/>
+              <a:ext cx="2132711" cy="534681"/>
+            </a:xfrm>
+            <a:prstGeom prst="rect">
+              <a:avLst/>
+            </a:prstGeom>
+            <a:ln w="25400">
+              <a:solidFill>
+                <a:srgbClr val="5DA2C5"/>
+              </a:solidFill>
+            </a:ln>
+          </p:spPr>
+          <p:style>
+            <a:lnRef idx="1">
+              <a:schemeClr val="accent1"/>
+            </a:lnRef>
+            <a:fillRef idx="0">
+              <a:schemeClr val="accent1"/>
+            </a:fillRef>
+            <a:effectRef idx="0">
+              <a:schemeClr val="accent1"/>
+            </a:effectRef>
+            <a:fontRef idx="minor">
+              <a:schemeClr val="tx1"/>
+            </a:fontRef>
+          </p:style>
+          <p:txBody>
+            <a:bodyPr rtlCol="0" anchor="ctr"/>
+            <a:lstStyle/>
+            <a:p>
+              <a:pPr algn="ctr"/>
+              <a:endParaRPr kumimoji="1" lang="ko-Kore-KR" altLang="en-US" dirty="0"/>
+            </a:p>
+          </p:txBody>
+        </p:sp>
+        <p:sp>
+          <p:nvSpPr>
+            <p:cNvPr id="43" name="TextBox 42">
+              <a:extLst>
+                <a:ext uri="{FF2B5EF4-FFF2-40B4-BE49-F238E27FC236}">
+                  <a16:creationId xmlns:a16="http://schemas.microsoft.com/office/drawing/2014/main" id="{363DC3DB-BA99-E345-A60E-84CC87C77C62}"/>
+                </a:ext>
+              </a:extLst>
+            </p:cNvPr>
+            <p:cNvSpPr txBox="1"/>
+            <p:nvPr/>
+          </p:nvSpPr>
+          <p:spPr>
+            <a:xfrm>
+              <a:off x="1343107" y="1110653"/>
+              <a:ext cx="1785115" cy="461665"/>
+            </a:xfrm>
+            <a:prstGeom prst="rect">
+              <a:avLst/>
+            </a:prstGeom>
+            <a:noFill/>
+          </p:spPr>
+          <p:txBody>
+            <a:bodyPr wrap="square" rtlCol="0">
+              <a:spAutoFit/>
+            </a:bodyPr>
+            <a:lstStyle/>
+            <a:p>
+              <a:pPr algn="ctr"/>
+              <a:r>
+                <a:rPr kumimoji="1" lang="ko-KR" altLang="en-US" sz="1200" dirty="0" err="1">
+                  <a:solidFill>
+                    <a:srgbClr val="5DA2C5"/>
+                  </a:solidFill>
+                  <a:latin typeface="SHeadG" panose="02030600000101010101" pitchFamily="18" charset="-127"/>
+                  <a:ea typeface="SHeadG" panose="02030600000101010101" pitchFamily="18" charset="-127"/>
+                </a:rPr>
+                <a:t>인메모리</a:t>
+              </a:r>
+              <a:endParaRPr kumimoji="1" lang="en-US" altLang="ko-KR" sz="1200" dirty="0">
+                <a:solidFill>
+                  <a:srgbClr val="5DA2C5"/>
+                </a:solidFill>
+                <a:latin typeface="SHeadG" panose="02030600000101010101" pitchFamily="18" charset="-127"/>
+                <a:ea typeface="SHeadG" panose="02030600000101010101" pitchFamily="18" charset="-127"/>
+              </a:endParaRPr>
+            </a:p>
+            <a:p>
+              <a:pPr algn="ctr"/>
+              <a:r>
+                <a:rPr kumimoji="1" lang="ko-KR" altLang="en-US" sz="1200" dirty="0">
+                  <a:solidFill>
+                    <a:srgbClr val="5DA2C5"/>
+                  </a:solidFill>
+                  <a:latin typeface="SHeadG" panose="02030600000101010101" pitchFamily="18" charset="-127"/>
+                  <a:ea typeface="SHeadG" panose="02030600000101010101" pitchFamily="18" charset="-127"/>
+                </a:rPr>
+                <a:t>어댑터</a:t>
+              </a:r>
+              <a:endParaRPr kumimoji="1" lang="ko-Kore-KR" altLang="en-US" sz="1200" dirty="0">
+                <a:solidFill>
+                  <a:srgbClr val="5DA2C5"/>
+                </a:solidFill>
+                <a:latin typeface="SHeadG" panose="02030600000101010101" pitchFamily="18" charset="-127"/>
+                <a:ea typeface="SHeadG" panose="02030600000101010101" pitchFamily="18" charset="-127"/>
+              </a:endParaRPr>
+            </a:p>
+          </p:txBody>
+        </p:sp>
+      </p:grpSp>
+      <p:grpSp>
+        <p:nvGrpSpPr>
+          <p:cNvPr id="44" name="그룹 43">
+            <a:extLst>
+              <a:ext uri="{FF2B5EF4-FFF2-40B4-BE49-F238E27FC236}">
+                <a16:creationId xmlns:a16="http://schemas.microsoft.com/office/drawing/2014/main" id="{67504C65-A3BE-4D41-930C-9B13AF238CB3}"/>
+              </a:ext>
+            </a:extLst>
+          </p:cNvPr>
+          <p:cNvGrpSpPr/>
+          <p:nvPr/>
+        </p:nvGrpSpPr>
+        <p:grpSpPr>
+          <a:xfrm>
+            <a:off x="7430813" y="1756348"/>
+            <a:ext cx="1253204" cy="534681"/>
+            <a:chOff x="1174376" y="1076405"/>
+            <a:chExt cx="2132711" cy="534681"/>
+          </a:xfrm>
+        </p:grpSpPr>
+        <p:sp>
+          <p:nvSpPr>
+            <p:cNvPr id="45" name="직사각형 44">
+              <a:extLst>
+                <a:ext uri="{FF2B5EF4-FFF2-40B4-BE49-F238E27FC236}">
+                  <a16:creationId xmlns:a16="http://schemas.microsoft.com/office/drawing/2014/main" id="{17B24AD9-A117-1B44-ACEB-266BBED4608F}"/>
+                </a:ext>
+              </a:extLst>
+            </p:cNvPr>
+            <p:cNvSpPr/>
+            <p:nvPr/>
+          </p:nvSpPr>
+          <p:spPr>
+            <a:xfrm>
+              <a:off x="1174376" y="1076405"/>
+              <a:ext cx="2132711" cy="534681"/>
+            </a:xfrm>
+            <a:prstGeom prst="rect">
+              <a:avLst/>
+            </a:prstGeom>
+            <a:ln w="25400">
+              <a:solidFill>
+                <a:srgbClr val="5DA2C5"/>
+              </a:solidFill>
+            </a:ln>
+          </p:spPr>
+          <p:style>
+            <a:lnRef idx="1">
+              <a:schemeClr val="accent1"/>
+            </a:lnRef>
+            <a:fillRef idx="0">
+              <a:schemeClr val="accent1"/>
+            </a:fillRef>
+            <a:effectRef idx="0">
+              <a:schemeClr val="accent1"/>
+            </a:effectRef>
+            <a:fontRef idx="minor">
+              <a:schemeClr val="tx1"/>
+            </a:fontRef>
+          </p:style>
+          <p:txBody>
+            <a:bodyPr rtlCol="0" anchor="ctr"/>
+            <a:lstStyle/>
+            <a:p>
+              <a:pPr algn="ctr"/>
+              <a:endParaRPr kumimoji="1" lang="ko-Kore-KR" altLang="en-US"/>
+            </a:p>
+          </p:txBody>
+        </p:sp>
+        <p:sp>
+          <p:nvSpPr>
+            <p:cNvPr id="46" name="TextBox 45">
+              <a:extLst>
+                <a:ext uri="{FF2B5EF4-FFF2-40B4-BE49-F238E27FC236}">
+                  <a16:creationId xmlns:a16="http://schemas.microsoft.com/office/drawing/2014/main" id="{DCEC0A6C-02E9-A945-98B0-DE2BC88D220B}"/>
+                </a:ext>
+              </a:extLst>
+            </p:cNvPr>
+            <p:cNvSpPr txBox="1"/>
+            <p:nvPr/>
+          </p:nvSpPr>
+          <p:spPr>
+            <a:xfrm>
+              <a:off x="1343107" y="1205245"/>
+              <a:ext cx="1785115" cy="276999"/>
+            </a:xfrm>
+            <a:prstGeom prst="rect">
+              <a:avLst/>
+            </a:prstGeom>
+            <a:noFill/>
+          </p:spPr>
+          <p:txBody>
+            <a:bodyPr wrap="square" rtlCol="0">
+              <a:spAutoFit/>
+            </a:bodyPr>
+            <a:lstStyle/>
+            <a:p>
+              <a:pPr algn="ctr"/>
+              <a:r>
+                <a:rPr kumimoji="1" lang="en-US" altLang="ko-KR" sz="1200" dirty="0">
+                  <a:solidFill>
+                    <a:srgbClr val="5DA2C5"/>
+                  </a:solidFill>
+                  <a:latin typeface="SHeadG" panose="02030600000101010101" pitchFamily="18" charset="-127"/>
+                  <a:ea typeface="SHeadG" panose="02030600000101010101" pitchFamily="18" charset="-127"/>
+                </a:rPr>
+                <a:t>SQL</a:t>
+              </a:r>
+              <a:r>
+                <a:rPr kumimoji="1" lang="ko-KR" altLang="en-US" sz="1200" dirty="0">
+                  <a:solidFill>
+                    <a:srgbClr val="5DA2C5"/>
+                  </a:solidFill>
+                  <a:latin typeface="SHeadG" panose="02030600000101010101" pitchFamily="18" charset="-127"/>
+                  <a:ea typeface="SHeadG" panose="02030600000101010101" pitchFamily="18" charset="-127"/>
+                </a:rPr>
+                <a:t> 어댑터</a:t>
+              </a:r>
+              <a:endParaRPr kumimoji="1" lang="ko-Kore-KR" altLang="en-US" sz="1200" dirty="0">
+                <a:solidFill>
+                  <a:srgbClr val="5DA2C5"/>
+                </a:solidFill>
+                <a:latin typeface="SHeadG" panose="02030600000101010101" pitchFamily="18" charset="-127"/>
+                <a:ea typeface="SHeadG" panose="02030600000101010101" pitchFamily="18" charset="-127"/>
+              </a:endParaRPr>
+            </a:p>
+          </p:txBody>
+        </p:sp>
+      </p:grpSp>
+      <p:grpSp>
+        <p:nvGrpSpPr>
+          <p:cNvPr id="47" name="그룹 46">
+            <a:extLst>
+              <a:ext uri="{FF2B5EF4-FFF2-40B4-BE49-F238E27FC236}">
+                <a16:creationId xmlns:a16="http://schemas.microsoft.com/office/drawing/2014/main" id="{54BC7C91-EE72-424D-A960-4E8D94D73232}"/>
+              </a:ext>
+            </a:extLst>
+          </p:cNvPr>
+          <p:cNvGrpSpPr/>
+          <p:nvPr/>
+        </p:nvGrpSpPr>
+        <p:grpSpPr>
+          <a:xfrm>
+            <a:off x="7427835" y="2549879"/>
+            <a:ext cx="1253204" cy="534681"/>
+            <a:chOff x="1174376" y="1076405"/>
+            <a:chExt cx="2132711" cy="534681"/>
+          </a:xfrm>
+        </p:grpSpPr>
+        <p:sp>
+          <p:nvSpPr>
+            <p:cNvPr id="48" name="직사각형 47">
+              <a:extLst>
+                <a:ext uri="{FF2B5EF4-FFF2-40B4-BE49-F238E27FC236}">
+                  <a16:creationId xmlns:a16="http://schemas.microsoft.com/office/drawing/2014/main" id="{E568F36C-D3AF-7547-84CC-8D26783B9792}"/>
+                </a:ext>
+              </a:extLst>
+            </p:cNvPr>
+            <p:cNvSpPr/>
+            <p:nvPr/>
+          </p:nvSpPr>
+          <p:spPr>
+            <a:xfrm>
+              <a:off x="1174376" y="1076405"/>
+              <a:ext cx="2132711" cy="534681"/>
+            </a:xfrm>
+            <a:prstGeom prst="rect">
+              <a:avLst/>
+            </a:prstGeom>
+            <a:ln w="25400">
+              <a:solidFill>
+                <a:srgbClr val="5DA2C5"/>
+              </a:solidFill>
+            </a:ln>
+          </p:spPr>
+          <p:style>
+            <a:lnRef idx="1">
+              <a:schemeClr val="accent1"/>
+            </a:lnRef>
+            <a:fillRef idx="0">
+              <a:schemeClr val="accent1"/>
+            </a:fillRef>
+            <a:effectRef idx="0">
+              <a:schemeClr val="accent1"/>
+            </a:effectRef>
+            <a:fontRef idx="minor">
+              <a:schemeClr val="tx1"/>
+            </a:fontRef>
+          </p:style>
+          <p:txBody>
+            <a:bodyPr rtlCol="0" anchor="ctr"/>
+            <a:lstStyle/>
+            <a:p>
+              <a:pPr algn="ctr"/>
+              <a:endParaRPr kumimoji="1" lang="ko-Kore-KR" altLang="en-US"/>
+            </a:p>
+          </p:txBody>
+        </p:sp>
+        <p:sp>
+          <p:nvSpPr>
+            <p:cNvPr id="49" name="TextBox 48">
+              <a:extLst>
+                <a:ext uri="{FF2B5EF4-FFF2-40B4-BE49-F238E27FC236}">
+                  <a16:creationId xmlns:a16="http://schemas.microsoft.com/office/drawing/2014/main" id="{5A6F5BDA-2EC6-1D49-AF38-6C14DE04FACE}"/>
+                </a:ext>
+              </a:extLst>
+            </p:cNvPr>
+            <p:cNvSpPr txBox="1"/>
+            <p:nvPr/>
+          </p:nvSpPr>
+          <p:spPr>
+            <a:xfrm>
+              <a:off x="1343107" y="1110653"/>
+              <a:ext cx="1785115" cy="461665"/>
+            </a:xfrm>
+            <a:prstGeom prst="rect">
+              <a:avLst/>
+            </a:prstGeom>
+            <a:noFill/>
+          </p:spPr>
+          <p:txBody>
+            <a:bodyPr wrap="square" rtlCol="0">
+              <a:spAutoFit/>
+            </a:bodyPr>
+            <a:lstStyle/>
+            <a:p>
+              <a:pPr algn="ctr"/>
+              <a:r>
+                <a:rPr kumimoji="1" lang="en-US" altLang="ko-KR" sz="1200" dirty="0">
+                  <a:solidFill>
+                    <a:srgbClr val="5DA2C5"/>
+                  </a:solidFill>
+                  <a:latin typeface="SHeadG" panose="02030600000101010101" pitchFamily="18" charset="-127"/>
+                  <a:ea typeface="SHeadG" panose="02030600000101010101" pitchFamily="18" charset="-127"/>
+                </a:rPr>
+                <a:t>SQL</a:t>
+              </a:r>
+            </a:p>
+            <a:p>
+              <a:pPr algn="ctr"/>
+              <a:r>
+                <a:rPr kumimoji="1" lang="ko-KR" altLang="en-US" sz="1200" dirty="0">
+                  <a:solidFill>
+                    <a:srgbClr val="5DA2C5"/>
+                  </a:solidFill>
+                  <a:latin typeface="SHeadG" panose="02030600000101010101" pitchFamily="18" charset="-127"/>
+                  <a:ea typeface="SHeadG" panose="02030600000101010101" pitchFamily="18" charset="-127"/>
+                </a:rPr>
+                <a:t>데이터베이스</a:t>
+              </a:r>
+              <a:endParaRPr kumimoji="1" lang="ko-Kore-KR" altLang="en-US" sz="1200" dirty="0">
+                <a:solidFill>
+                  <a:srgbClr val="5DA2C5"/>
+                </a:solidFill>
+                <a:latin typeface="SHeadG" panose="02030600000101010101" pitchFamily="18" charset="-127"/>
+                <a:ea typeface="SHeadG" panose="02030600000101010101" pitchFamily="18" charset="-127"/>
+              </a:endParaRPr>
+            </a:p>
+          </p:txBody>
+        </p:sp>
+      </p:grpSp>
+      <p:cxnSp>
+        <p:nvCxnSpPr>
+          <p:cNvPr id="50" name="직선 화살표 연결선 49">
+            <a:extLst>
+              <a:ext uri="{FF2B5EF4-FFF2-40B4-BE49-F238E27FC236}">
+                <a16:creationId xmlns:a16="http://schemas.microsoft.com/office/drawing/2014/main" id="{D767A087-3A0B-BA40-BFA2-30DDDEE0C59E}"/>
+              </a:ext>
+            </a:extLst>
+          </p:cNvPr>
+          <p:cNvCxnSpPr>
+            <a:cxnSpLocks/>
+            <a:stCxn id="48" idx="0"/>
+            <a:endCxn id="45" idx="2"/>
+          </p:cNvCxnSpPr>
+          <p:nvPr/>
+        </p:nvCxnSpPr>
+        <p:spPr>
+          <a:xfrm flipV="1">
+            <a:off x="8054437" y="2291029"/>
+            <a:ext cx="2978" cy="258850"/>
+          </a:xfrm>
+          <a:prstGeom prst="straightConnector1">
+            <a:avLst/>
+          </a:prstGeom>
+          <a:ln w="19050">
+            <a:solidFill>
+              <a:srgbClr val="5DA2C5"/>
+            </a:solidFill>
+            <a:tailEnd type="stealth" w="lg" len="lg"/>
+          </a:ln>
+        </p:spPr>
+        <p:style>
+          <a:lnRef idx="1">
+            <a:schemeClr val="accent1"/>
+          </a:lnRef>
+          <a:fillRef idx="0">
+            <a:schemeClr val="accent1"/>
+          </a:fillRef>
+          <a:effectRef idx="0">
+            <a:schemeClr val="accent1"/>
+          </a:effectRef>
+          <a:fontRef idx="minor">
+            <a:schemeClr val="tx1"/>
+          </a:fontRef>
+        </p:style>
+      </p:cxnSp>
+      <p:cxnSp>
+        <p:nvCxnSpPr>
+          <p:cNvPr id="51" name="직선 화살표 연결선 50">
+            <a:extLst>
+              <a:ext uri="{FF2B5EF4-FFF2-40B4-BE49-F238E27FC236}">
+                <a16:creationId xmlns:a16="http://schemas.microsoft.com/office/drawing/2014/main" id="{36BC7250-87F8-C44A-9E77-8D19C02B8DEA}"/>
+              </a:ext>
+            </a:extLst>
+          </p:cNvPr>
+          <p:cNvCxnSpPr>
+            <a:cxnSpLocks/>
+            <a:stCxn id="42" idx="1"/>
+          </p:cNvCxnSpPr>
+          <p:nvPr/>
+        </p:nvCxnSpPr>
+        <p:spPr>
+          <a:xfrm flipH="1">
+            <a:off x="5680141" y="1230158"/>
+            <a:ext cx="1761182" cy="645954"/>
+          </a:xfrm>
+          <a:prstGeom prst="straightConnector1">
+            <a:avLst/>
+          </a:prstGeom>
+          <a:ln w="19050">
+            <a:solidFill>
+              <a:srgbClr val="5DA2C5"/>
+            </a:solidFill>
+            <a:tailEnd type="stealth" w="lg" len="lg"/>
+          </a:ln>
+        </p:spPr>
+        <p:style>
+          <a:lnRef idx="1">
+            <a:schemeClr val="accent1"/>
+          </a:lnRef>
+          <a:fillRef idx="0">
+            <a:schemeClr val="accent1"/>
+          </a:fillRef>
+          <a:effectRef idx="0">
+            <a:schemeClr val="accent1"/>
+          </a:effectRef>
+          <a:fontRef idx="minor">
+            <a:schemeClr val="tx1"/>
+          </a:fontRef>
+        </p:style>
+      </p:cxnSp>
+      <p:cxnSp>
+        <p:nvCxnSpPr>
+          <p:cNvPr id="53" name="직선 화살표 연결선 52">
+            <a:extLst>
+              <a:ext uri="{FF2B5EF4-FFF2-40B4-BE49-F238E27FC236}">
+                <a16:creationId xmlns:a16="http://schemas.microsoft.com/office/drawing/2014/main" id="{A8B3EB28-2E7C-194C-8135-5F5BD6801208}"/>
+              </a:ext>
+            </a:extLst>
+          </p:cNvPr>
+          <p:cNvCxnSpPr>
+            <a:cxnSpLocks/>
+            <a:stCxn id="45" idx="1"/>
+          </p:cNvCxnSpPr>
+          <p:nvPr/>
+        </p:nvCxnSpPr>
+        <p:spPr>
+          <a:xfrm flipH="1">
+            <a:off x="5680141" y="2023689"/>
+            <a:ext cx="1750672" cy="0"/>
+          </a:xfrm>
+          <a:prstGeom prst="straightConnector1">
+            <a:avLst/>
+          </a:prstGeom>
+          <a:ln w="19050">
+            <a:solidFill>
+              <a:srgbClr val="5DA2C5"/>
+            </a:solidFill>
+            <a:tailEnd type="stealth" w="lg" len="lg"/>
+          </a:ln>
+        </p:spPr>
+        <p:style>
+          <a:lnRef idx="1">
+            <a:schemeClr val="accent1"/>
+          </a:lnRef>
+          <a:fillRef idx="0">
+            <a:schemeClr val="accent1"/>
+          </a:fillRef>
+          <a:effectRef idx="0">
+            <a:schemeClr val="accent1"/>
+          </a:effectRef>
+          <a:fontRef idx="minor">
+            <a:schemeClr val="tx1"/>
+          </a:fontRef>
+        </p:style>
+      </p:cxnSp>
+      <p:sp>
+        <p:nvSpPr>
+          <p:cNvPr id="57" name="TextBox 56">
+            <a:extLst>
+              <a:ext uri="{FF2B5EF4-FFF2-40B4-BE49-F238E27FC236}">
+                <a16:creationId xmlns:a16="http://schemas.microsoft.com/office/drawing/2014/main" id="{B503C6EA-0A33-6C4D-8DD2-1B7348263769}"/>
+              </a:ext>
+            </a:extLst>
+          </p:cNvPr>
+          <p:cNvSpPr txBox="1"/>
+          <p:nvPr/>
+        </p:nvSpPr>
+        <p:spPr>
+          <a:xfrm>
+            <a:off x="6022818" y="2069853"/>
+            <a:ext cx="1201301" cy="276999"/>
+          </a:xfrm>
+          <a:prstGeom prst="rect">
+            <a:avLst/>
+          </a:prstGeom>
+          <a:noFill/>
+        </p:spPr>
+        <p:txBody>
+          <a:bodyPr wrap="square" rtlCol="0">
+            <a:spAutoFit/>
+          </a:bodyPr>
+          <a:lstStyle/>
+          <a:p>
+            <a:pPr algn="ctr"/>
+            <a:r>
+              <a:rPr kumimoji="1" lang="ko-KR" altLang="en-US" sz="1200" dirty="0">
+                <a:solidFill>
+                  <a:srgbClr val="5DA2C5"/>
+                </a:solidFill>
+                <a:latin typeface="SHeadG" panose="02030600000101010101" pitchFamily="18" charset="-127"/>
+                <a:ea typeface="SHeadG" panose="02030600000101010101" pitchFamily="18" charset="-127"/>
+              </a:rPr>
+              <a:t>데이터 저장</a:t>
+            </a:r>
+            <a:r>
+              <a:rPr kumimoji="1" lang="en-US" altLang="ko-Kore-KR" sz="1200" dirty="0">
+                <a:solidFill>
+                  <a:srgbClr val="5DA2C5"/>
+                </a:solidFill>
+                <a:latin typeface="SHeadG" panose="02030600000101010101" pitchFamily="18" charset="-127"/>
+                <a:ea typeface="SHeadG" panose="02030600000101010101" pitchFamily="18" charset="-127"/>
+              </a:rPr>
+              <a:t> </a:t>
+            </a:r>
+            <a:r>
+              <a:rPr kumimoji="1" lang="ko-Kore-KR" altLang="en-US" sz="1200" dirty="0">
+                <a:solidFill>
+                  <a:srgbClr val="5DA2C5"/>
+                </a:solidFill>
+                <a:latin typeface="SHeadG" panose="02030600000101010101" pitchFamily="18" charset="-127"/>
+                <a:ea typeface="SHeadG" panose="02030600000101010101" pitchFamily="18" charset="-127"/>
+              </a:rPr>
+              <a:t>포트</a:t>
+            </a:r>
+          </a:p>
+        </p:txBody>
+      </p:sp>
+    </p:spTree>
+    <p:extLst>
+      <p:ext uri="{BB962C8B-B14F-4D97-AF65-F5344CB8AC3E}">
+        <p14:creationId xmlns:p14="http://schemas.microsoft.com/office/powerpoint/2010/main" val="780656588"/>
+      </p:ext>
+    </p:extLst>
+  </p:cSld>
+  <p:clrMapOvr>
+    <a:masterClrMapping/>
+  </p:clrMapOvr>
+</p:sld>
+</file>
+
+<file path=ppt/slides/slide5.xml><?xml version="1.0" encoding="utf-8"?>
+<p:sld xmlns:a="http://schemas.openxmlformats.org/drawingml/2006/main" xmlns:r="http://schemas.openxmlformats.org/officeDocument/2006/relationships" xmlns:p="http://schemas.openxmlformats.org/presentationml/2006/main">
+  <p:cSld>
+    <p:spTree>
+      <p:nvGrpSpPr>
+        <p:cNvPr id="1" name=""/>
+        <p:cNvGrpSpPr/>
+        <p:nvPr/>
+      </p:nvGrpSpPr>
+      <p:grpSpPr>
+        <a:xfrm>
+          <a:off x="0" y="0"/>
+          <a:ext cx="0" cy="0"/>
+          <a:chOff x="0" y="0"/>
+          <a:chExt cx="0" cy="0"/>
+        </a:xfrm>
+      </p:grpSpPr>
+      <p:grpSp>
+        <p:nvGrpSpPr>
+          <p:cNvPr id="13" name="그룹 12">
+            <a:extLst>
+              <a:ext uri="{FF2B5EF4-FFF2-40B4-BE49-F238E27FC236}">
+                <a16:creationId xmlns:a16="http://schemas.microsoft.com/office/drawing/2014/main" id="{3B943BD6-27D6-5341-8B5E-69DD96389CC3}"/>
+              </a:ext>
+            </a:extLst>
+          </p:cNvPr>
+          <p:cNvGrpSpPr/>
+          <p:nvPr/>
+        </p:nvGrpSpPr>
+        <p:grpSpPr>
+          <a:xfrm>
+            <a:off x="1437443" y="1582928"/>
+            <a:ext cx="1957398" cy="534681"/>
+            <a:chOff x="1437443" y="1582928"/>
+            <a:chExt cx="1957398" cy="534681"/>
+          </a:xfrm>
+        </p:grpSpPr>
+        <p:sp>
+          <p:nvSpPr>
+            <p:cNvPr id="16" name="직사각형 15">
+              <a:extLst>
+                <a:ext uri="{FF2B5EF4-FFF2-40B4-BE49-F238E27FC236}">
+                  <a16:creationId xmlns:a16="http://schemas.microsoft.com/office/drawing/2014/main" id="{849D2FB5-4F88-F644-96A2-2E22DAA528CB}"/>
+                </a:ext>
+              </a:extLst>
+            </p:cNvPr>
+            <p:cNvSpPr/>
+            <p:nvPr/>
+          </p:nvSpPr>
+          <p:spPr>
+            <a:xfrm>
+              <a:off x="1437443" y="1582928"/>
+              <a:ext cx="1957398" cy="534681"/>
+            </a:xfrm>
+            <a:prstGeom prst="rect">
+              <a:avLst/>
+            </a:prstGeom>
+            <a:ln w="25400">
+              <a:solidFill>
+                <a:srgbClr val="5DA2C5"/>
+              </a:solidFill>
+            </a:ln>
+          </p:spPr>
+          <p:style>
+            <a:lnRef idx="1">
+              <a:schemeClr val="accent1"/>
+            </a:lnRef>
+            <a:fillRef idx="0">
+              <a:schemeClr val="accent1"/>
+            </a:fillRef>
+            <a:effectRef idx="0">
+              <a:schemeClr val="accent1"/>
+            </a:effectRef>
+            <a:fontRef idx="minor">
+              <a:schemeClr val="tx1"/>
+            </a:fontRef>
+          </p:style>
+          <p:txBody>
+            <a:bodyPr rtlCol="0" anchor="ctr"/>
+            <a:lstStyle/>
+            <a:p>
+              <a:pPr algn="ctr"/>
+              <a:endParaRPr kumimoji="1" lang="ko-Kore-KR" altLang="en-US" dirty="0"/>
+            </a:p>
+          </p:txBody>
+        </p:sp>
+        <p:sp>
+          <p:nvSpPr>
+            <p:cNvPr id="17" name="TextBox 16">
+              <a:extLst>
+                <a:ext uri="{FF2B5EF4-FFF2-40B4-BE49-F238E27FC236}">
+                  <a16:creationId xmlns:a16="http://schemas.microsoft.com/office/drawing/2014/main" id="{FF64D639-3C3B-C349-9F8F-9CE9AF63DB12}"/>
+                </a:ext>
+              </a:extLst>
+            </p:cNvPr>
+            <p:cNvSpPr txBox="1"/>
+            <p:nvPr/>
+          </p:nvSpPr>
+          <p:spPr>
+            <a:xfrm>
+              <a:off x="1592304" y="1711768"/>
+              <a:ext cx="1638375" cy="276999"/>
+            </a:xfrm>
+            <a:prstGeom prst="rect">
+              <a:avLst/>
+            </a:prstGeom>
+            <a:noFill/>
+          </p:spPr>
+          <p:txBody>
+            <a:bodyPr wrap="square" rtlCol="0">
+              <a:spAutoFit/>
+            </a:bodyPr>
+            <a:lstStyle/>
+            <a:p>
+              <a:pPr algn="ctr"/>
+              <a:r>
+                <a:rPr kumimoji="1" lang="en-US" altLang="ko-Kore-KR" sz="1200" dirty="0" err="1">
+                  <a:solidFill>
+                    <a:srgbClr val="5DA2C5"/>
+                  </a:solidFill>
+                  <a:latin typeface="SHeadG" panose="02030600000101010101" pitchFamily="18" charset="-127"/>
+                  <a:ea typeface="SHeadG" panose="02030600000101010101" pitchFamily="18" charset="-127"/>
+                </a:rPr>
+                <a:t>SenderEndPoint</a:t>
+              </a:r>
+              <a:endParaRPr kumimoji="1" lang="ko-Kore-KR" altLang="en-US" sz="1200" dirty="0">
+                <a:solidFill>
+                  <a:srgbClr val="5DA2C5"/>
+                </a:solidFill>
+                <a:latin typeface="SHeadG" panose="02030600000101010101" pitchFamily="18" charset="-127"/>
+                <a:ea typeface="SHeadG" panose="02030600000101010101" pitchFamily="18" charset="-127"/>
+              </a:endParaRPr>
+            </a:p>
+          </p:txBody>
+        </p:sp>
+      </p:grpSp>
+      <p:cxnSp>
+        <p:nvCxnSpPr>
+          <p:cNvPr id="29" name="직선 화살표 연결선 28">
+            <a:extLst>
+              <a:ext uri="{FF2B5EF4-FFF2-40B4-BE49-F238E27FC236}">
+                <a16:creationId xmlns:a16="http://schemas.microsoft.com/office/drawing/2014/main" id="{7475BD23-DB4E-D14E-A8C3-E5141A56173F}"/>
+              </a:ext>
+            </a:extLst>
+          </p:cNvPr>
+          <p:cNvCxnSpPr>
+            <a:cxnSpLocks/>
+            <a:stCxn id="33" idx="0"/>
+            <a:endCxn id="16" idx="2"/>
+          </p:cNvCxnSpPr>
+          <p:nvPr/>
+        </p:nvCxnSpPr>
+        <p:spPr>
+          <a:xfrm flipV="1">
+            <a:off x="2411491" y="2117609"/>
+            <a:ext cx="4651" cy="479568"/>
+          </a:xfrm>
+          <a:prstGeom prst="straightConnector1">
+            <a:avLst/>
+          </a:prstGeom>
+          <a:ln w="19050">
+            <a:solidFill>
+              <a:srgbClr val="5DA2C5"/>
+            </a:solidFill>
+            <a:tailEnd type="stealth" w="lg" len="lg"/>
+          </a:ln>
+        </p:spPr>
+        <p:style>
+          <a:lnRef idx="1">
+            <a:schemeClr val="accent1"/>
+          </a:lnRef>
+          <a:fillRef idx="0">
+            <a:schemeClr val="accent1"/>
+          </a:fillRef>
+          <a:effectRef idx="0">
+            <a:schemeClr val="accent1"/>
+          </a:effectRef>
+          <a:fontRef idx="minor">
+            <a:schemeClr val="tx1"/>
+          </a:fontRef>
+        </p:style>
+      </p:cxnSp>
+      <p:grpSp>
+        <p:nvGrpSpPr>
+          <p:cNvPr id="32" name="그룹 31">
+            <a:extLst>
+              <a:ext uri="{FF2B5EF4-FFF2-40B4-BE49-F238E27FC236}">
+                <a16:creationId xmlns:a16="http://schemas.microsoft.com/office/drawing/2014/main" id="{00CA328A-AFFA-3F49-8CCF-68662B0DD4F5}"/>
+              </a:ext>
+            </a:extLst>
+          </p:cNvPr>
+          <p:cNvGrpSpPr/>
+          <p:nvPr/>
+        </p:nvGrpSpPr>
+        <p:grpSpPr>
+          <a:xfrm>
+            <a:off x="1432792" y="2597177"/>
+            <a:ext cx="1957398" cy="534681"/>
+            <a:chOff x="1174376" y="1076405"/>
+            <a:chExt cx="2132711" cy="534681"/>
+          </a:xfrm>
+        </p:grpSpPr>
+        <p:sp>
+          <p:nvSpPr>
+            <p:cNvPr id="33" name="직사각형 32">
+              <a:extLst>
+                <a:ext uri="{FF2B5EF4-FFF2-40B4-BE49-F238E27FC236}">
+                  <a16:creationId xmlns:a16="http://schemas.microsoft.com/office/drawing/2014/main" id="{E71CA56D-9252-A449-B79B-E36EE3486CA0}"/>
+                </a:ext>
+              </a:extLst>
+            </p:cNvPr>
+            <p:cNvSpPr/>
+            <p:nvPr/>
+          </p:nvSpPr>
+          <p:spPr>
+            <a:xfrm>
+              <a:off x="1174376" y="1076405"/>
+              <a:ext cx="2132711" cy="534681"/>
+            </a:xfrm>
+            <a:prstGeom prst="rect">
+              <a:avLst/>
+            </a:prstGeom>
+            <a:ln w="25400">
+              <a:solidFill>
+                <a:srgbClr val="5DA2C5"/>
+              </a:solidFill>
+            </a:ln>
+          </p:spPr>
+          <p:style>
+            <a:lnRef idx="1">
+              <a:schemeClr val="accent1"/>
+            </a:lnRef>
+            <a:fillRef idx="0">
+              <a:schemeClr val="accent1"/>
+            </a:fillRef>
+            <a:effectRef idx="0">
+              <a:schemeClr val="accent1"/>
+            </a:effectRef>
+            <a:fontRef idx="minor">
+              <a:schemeClr val="tx1"/>
+            </a:fontRef>
+          </p:style>
+          <p:txBody>
+            <a:bodyPr rtlCol="0" anchor="ctr"/>
+            <a:lstStyle/>
+            <a:p>
+              <a:pPr algn="ctr"/>
+              <a:endParaRPr kumimoji="1" lang="ko-Kore-KR" altLang="en-US" dirty="0"/>
+            </a:p>
+          </p:txBody>
+        </p:sp>
+        <p:sp>
+          <p:nvSpPr>
+            <p:cNvPr id="35" name="TextBox 34">
+              <a:extLst>
+                <a:ext uri="{FF2B5EF4-FFF2-40B4-BE49-F238E27FC236}">
+                  <a16:creationId xmlns:a16="http://schemas.microsoft.com/office/drawing/2014/main" id="{8EC4D808-7B44-CB4E-9E7A-2D71CCE9C04E}"/>
+                </a:ext>
+              </a:extLst>
+            </p:cNvPr>
+            <p:cNvSpPr txBox="1"/>
+            <p:nvPr/>
+          </p:nvSpPr>
+          <p:spPr>
+            <a:xfrm>
+              <a:off x="1343107" y="1205245"/>
+              <a:ext cx="1785115" cy="276999"/>
+            </a:xfrm>
+            <a:prstGeom prst="rect">
+              <a:avLst/>
+            </a:prstGeom>
+            <a:noFill/>
+          </p:spPr>
+          <p:txBody>
+            <a:bodyPr wrap="square" rtlCol="0">
+              <a:spAutoFit/>
+            </a:bodyPr>
+            <a:lstStyle/>
+            <a:p>
+              <a:pPr algn="ctr"/>
+              <a:r>
+                <a:rPr kumimoji="1" lang="en-US" altLang="ko-Kore-KR" sz="1200" dirty="0">
+                  <a:solidFill>
+                    <a:srgbClr val="5DA2C5"/>
+                  </a:solidFill>
+                  <a:latin typeface="SHeadG" panose="02030600000101010101" pitchFamily="18" charset="-127"/>
+                  <a:ea typeface="SHeadG" panose="02030600000101010101" pitchFamily="18" charset="-127"/>
+                </a:rPr>
+                <a:t>UI </a:t>
+              </a:r>
+              <a:r>
+                <a:rPr kumimoji="1" lang="ko-KR" altLang="en-US" sz="1200" dirty="0">
+                  <a:solidFill>
+                    <a:srgbClr val="5DA2C5"/>
+                  </a:solidFill>
+                  <a:latin typeface="SHeadG" panose="02030600000101010101" pitchFamily="18" charset="-127"/>
+                  <a:ea typeface="SHeadG" panose="02030600000101010101" pitchFamily="18" charset="-127"/>
+                </a:rPr>
+                <a:t>어댑터</a:t>
+              </a:r>
+              <a:endParaRPr kumimoji="1" lang="ko-Kore-KR" altLang="en-US" sz="1200" dirty="0">
+                <a:solidFill>
+                  <a:srgbClr val="5DA2C5"/>
+                </a:solidFill>
+                <a:latin typeface="SHeadG" panose="02030600000101010101" pitchFamily="18" charset="-127"/>
+                <a:ea typeface="SHeadG" panose="02030600000101010101" pitchFamily="18" charset="-127"/>
+              </a:endParaRPr>
+            </a:p>
+          </p:txBody>
+        </p:sp>
+      </p:grpSp>
+      <p:sp>
+        <p:nvSpPr>
+          <p:cNvPr id="40" name="TextBox 39">
+            <a:extLst>
+              <a:ext uri="{FF2B5EF4-FFF2-40B4-BE49-F238E27FC236}">
+                <a16:creationId xmlns:a16="http://schemas.microsoft.com/office/drawing/2014/main" id="{62F92FB9-6284-924D-86EB-666CCCBD5099}"/>
+              </a:ext>
+            </a:extLst>
+          </p:cNvPr>
+          <p:cNvSpPr txBox="1"/>
+          <p:nvPr/>
+        </p:nvSpPr>
+        <p:spPr>
+          <a:xfrm>
+            <a:off x="2524012" y="2226639"/>
+            <a:ext cx="702016" cy="276999"/>
+          </a:xfrm>
+          <a:prstGeom prst="rect">
+            <a:avLst/>
+          </a:prstGeom>
+          <a:noFill/>
+        </p:spPr>
+        <p:txBody>
+          <a:bodyPr wrap="square" rtlCol="0">
+            <a:spAutoFit/>
+          </a:bodyPr>
+          <a:lstStyle/>
+          <a:p>
+            <a:pPr algn="ctr"/>
+            <a:r>
+              <a:rPr kumimoji="1" lang="ko-KR" altLang="en-US" sz="1200" dirty="0">
+                <a:solidFill>
+                  <a:srgbClr val="5DA2C5"/>
+                </a:solidFill>
+                <a:latin typeface="SHeadG" panose="02030600000101010101" pitchFamily="18" charset="-127"/>
+                <a:ea typeface="SHeadG" panose="02030600000101010101" pitchFamily="18" charset="-127"/>
+              </a:rPr>
+              <a:t>호출</a:t>
+            </a:r>
+            <a:endParaRPr kumimoji="1" lang="ko-Kore-KR" altLang="en-US" sz="1200" dirty="0">
+              <a:solidFill>
+                <a:srgbClr val="5DA2C5"/>
+              </a:solidFill>
+              <a:latin typeface="SHeadG" panose="02030600000101010101" pitchFamily="18" charset="-127"/>
+              <a:ea typeface="SHeadG" panose="02030600000101010101" pitchFamily="18" charset="-127"/>
+            </a:endParaRPr>
+          </a:p>
+        </p:txBody>
+      </p:sp>
+      <p:sp>
+        <p:nvSpPr>
+          <p:cNvPr id="52" name="TextBox 51">
+            <a:extLst>
+              <a:ext uri="{FF2B5EF4-FFF2-40B4-BE49-F238E27FC236}">
+                <a16:creationId xmlns:a16="http://schemas.microsoft.com/office/drawing/2014/main" id="{66CCFB7B-B538-C94D-B428-E3280BF89B01}"/>
+              </a:ext>
+            </a:extLst>
+          </p:cNvPr>
+          <p:cNvSpPr txBox="1"/>
+          <p:nvPr/>
+        </p:nvSpPr>
+        <p:spPr>
+          <a:xfrm>
+            <a:off x="1186862" y="1232557"/>
+            <a:ext cx="1112109" cy="276999"/>
+          </a:xfrm>
+          <a:prstGeom prst="rect">
+            <a:avLst/>
+          </a:prstGeom>
+          <a:noFill/>
+        </p:spPr>
+        <p:txBody>
+          <a:bodyPr wrap="square" rtlCol="0">
+            <a:spAutoFit/>
+          </a:bodyPr>
+          <a:lstStyle/>
+          <a:p>
+            <a:pPr algn="ctr"/>
+            <a:r>
+              <a:rPr kumimoji="1" lang="ko-KR" altLang="en-US" sz="1200" dirty="0">
+                <a:solidFill>
+                  <a:srgbClr val="5DA2C5"/>
+                </a:solidFill>
+                <a:latin typeface="SHeadG" panose="02030600000101010101" pitchFamily="18" charset="-127"/>
+                <a:ea typeface="SHeadG" panose="02030600000101010101" pitchFamily="18" charset="-127"/>
+              </a:rPr>
+              <a:t>이벤트 전송</a:t>
+            </a:r>
+            <a:endParaRPr kumimoji="1" lang="ko-Kore-KR" altLang="en-US" sz="1200" dirty="0">
+              <a:solidFill>
+                <a:srgbClr val="5DA2C5"/>
+              </a:solidFill>
+              <a:latin typeface="SHeadG" panose="02030600000101010101" pitchFamily="18" charset="-127"/>
+              <a:ea typeface="SHeadG" panose="02030600000101010101" pitchFamily="18" charset="-127"/>
+            </a:endParaRPr>
+          </a:p>
+        </p:txBody>
+      </p:sp>
+      <p:grpSp>
+        <p:nvGrpSpPr>
+          <p:cNvPr id="58" name="그룹 57">
+            <a:extLst>
+              <a:ext uri="{FF2B5EF4-FFF2-40B4-BE49-F238E27FC236}">
+                <a16:creationId xmlns:a16="http://schemas.microsoft.com/office/drawing/2014/main" id="{13E42738-BC6C-9A49-A606-F0A381A5F6CF}"/>
+              </a:ext>
+            </a:extLst>
+          </p:cNvPr>
+          <p:cNvGrpSpPr/>
+          <p:nvPr/>
+        </p:nvGrpSpPr>
+        <p:grpSpPr>
+          <a:xfrm>
+            <a:off x="4038753" y="642052"/>
+            <a:ext cx="1957398" cy="590505"/>
+            <a:chOff x="1174376" y="1076405"/>
+            <a:chExt cx="2132711" cy="590505"/>
+          </a:xfrm>
+        </p:grpSpPr>
+        <p:sp>
+          <p:nvSpPr>
+            <p:cNvPr id="59" name="직사각형 58">
+              <a:extLst>
+                <a:ext uri="{FF2B5EF4-FFF2-40B4-BE49-F238E27FC236}">
+                  <a16:creationId xmlns:a16="http://schemas.microsoft.com/office/drawing/2014/main" id="{A159288D-598A-A647-B7F9-8F1CF6763C10}"/>
+                </a:ext>
+              </a:extLst>
+            </p:cNvPr>
+            <p:cNvSpPr/>
+            <p:nvPr/>
+          </p:nvSpPr>
+          <p:spPr>
+            <a:xfrm>
+              <a:off x="1174376" y="1076405"/>
+              <a:ext cx="2132711" cy="534681"/>
+            </a:xfrm>
+            <a:prstGeom prst="rect">
+              <a:avLst/>
+            </a:prstGeom>
+            <a:ln w="25400">
+              <a:solidFill>
+                <a:srgbClr val="5DA2C5"/>
+              </a:solidFill>
+            </a:ln>
+          </p:spPr>
+          <p:style>
+            <a:lnRef idx="1">
+              <a:schemeClr val="accent1"/>
+            </a:lnRef>
+            <a:fillRef idx="0">
+              <a:schemeClr val="accent1"/>
+            </a:fillRef>
+            <a:effectRef idx="0">
+              <a:schemeClr val="accent1"/>
+            </a:effectRef>
+            <a:fontRef idx="minor">
+              <a:schemeClr val="tx1"/>
+            </a:fontRef>
+          </p:style>
+          <p:txBody>
+            <a:bodyPr rtlCol="0" anchor="ctr"/>
+            <a:lstStyle/>
+            <a:p>
+              <a:pPr algn="ctr"/>
+              <a:endParaRPr kumimoji="1" lang="ko-Kore-KR" altLang="en-US" dirty="0"/>
+            </a:p>
+          </p:txBody>
+        </p:sp>
+        <p:sp>
+          <p:nvSpPr>
+            <p:cNvPr id="60" name="TextBox 59">
+              <a:extLst>
+                <a:ext uri="{FF2B5EF4-FFF2-40B4-BE49-F238E27FC236}">
+                  <a16:creationId xmlns:a16="http://schemas.microsoft.com/office/drawing/2014/main" id="{CF4B34BF-8521-0243-BF2A-9244A3D75309}"/>
+                </a:ext>
+              </a:extLst>
+            </p:cNvPr>
+            <p:cNvSpPr txBox="1"/>
+            <p:nvPr/>
+          </p:nvSpPr>
+          <p:spPr>
+            <a:xfrm>
+              <a:off x="1343107" y="1205245"/>
+              <a:ext cx="1785115" cy="461665"/>
+            </a:xfrm>
+            <a:prstGeom prst="rect">
+              <a:avLst/>
+            </a:prstGeom>
+            <a:noFill/>
+          </p:spPr>
+          <p:txBody>
+            <a:bodyPr wrap="square" rtlCol="0">
+              <a:spAutoFit/>
+            </a:bodyPr>
+            <a:lstStyle/>
+            <a:p>
+              <a:pPr algn="ctr"/>
+              <a:r>
+                <a:rPr kumimoji="1" lang="en-US" altLang="ko-Kore-KR" sz="1200" dirty="0" err="1">
+                  <a:solidFill>
+                    <a:srgbClr val="5DA2C5"/>
+                  </a:solidFill>
+                  <a:latin typeface="SHeadG" panose="02030600000101010101" pitchFamily="18" charset="-127"/>
+                  <a:ea typeface="SHeadG" panose="02030600000101010101" pitchFamily="18" charset="-127"/>
+                </a:rPr>
+                <a:t>SenderEndPoint</a:t>
+              </a:r>
+              <a:endParaRPr kumimoji="1" lang="ko-Kore-KR" altLang="en-US" sz="1200" dirty="0">
+                <a:solidFill>
+                  <a:srgbClr val="5DA2C5"/>
+                </a:solidFill>
+                <a:latin typeface="SHeadG" panose="02030600000101010101" pitchFamily="18" charset="-127"/>
+                <a:ea typeface="SHeadG" panose="02030600000101010101" pitchFamily="18" charset="-127"/>
+              </a:endParaRPr>
+            </a:p>
+          </p:txBody>
+        </p:sp>
+      </p:grpSp>
+      <p:grpSp>
+        <p:nvGrpSpPr>
+          <p:cNvPr id="61" name="그룹 60">
+            <a:extLst>
+              <a:ext uri="{FF2B5EF4-FFF2-40B4-BE49-F238E27FC236}">
+                <a16:creationId xmlns:a16="http://schemas.microsoft.com/office/drawing/2014/main" id="{8BB0ADA2-C70E-7C41-8112-E13D3DC4BCE2}"/>
+              </a:ext>
+            </a:extLst>
+          </p:cNvPr>
+          <p:cNvGrpSpPr/>
+          <p:nvPr/>
+        </p:nvGrpSpPr>
+        <p:grpSpPr>
+          <a:xfrm>
+            <a:off x="6747933" y="1582928"/>
+            <a:ext cx="1957398" cy="534681"/>
+            <a:chOff x="1174376" y="1076405"/>
+            <a:chExt cx="2132711" cy="534681"/>
+          </a:xfrm>
+        </p:grpSpPr>
+        <p:sp>
+          <p:nvSpPr>
+            <p:cNvPr id="62" name="직사각형 61">
+              <a:extLst>
+                <a:ext uri="{FF2B5EF4-FFF2-40B4-BE49-F238E27FC236}">
+                  <a16:creationId xmlns:a16="http://schemas.microsoft.com/office/drawing/2014/main" id="{74D7F794-F0E2-C546-BF52-29F5600F97B1}"/>
+                </a:ext>
+              </a:extLst>
+            </p:cNvPr>
+            <p:cNvSpPr/>
+            <p:nvPr/>
+          </p:nvSpPr>
+          <p:spPr>
+            <a:xfrm>
+              <a:off x="1174376" y="1076405"/>
+              <a:ext cx="2132711" cy="534681"/>
+            </a:xfrm>
+            <a:prstGeom prst="rect">
+              <a:avLst/>
+            </a:prstGeom>
+            <a:ln w="25400">
+              <a:solidFill>
+                <a:srgbClr val="5DA2C5"/>
+              </a:solidFill>
+            </a:ln>
+          </p:spPr>
+          <p:style>
+            <a:lnRef idx="1">
+              <a:schemeClr val="accent1"/>
+            </a:lnRef>
+            <a:fillRef idx="0">
+              <a:schemeClr val="accent1"/>
+            </a:fillRef>
+            <a:effectRef idx="0">
+              <a:schemeClr val="accent1"/>
+            </a:effectRef>
+            <a:fontRef idx="minor">
+              <a:schemeClr val="tx1"/>
+            </a:fontRef>
+          </p:style>
+          <p:txBody>
+            <a:bodyPr rtlCol="0" anchor="ctr"/>
+            <a:lstStyle/>
+            <a:p>
+              <a:pPr algn="ctr"/>
+              <a:endParaRPr kumimoji="1" lang="ko-Kore-KR" altLang="en-US" dirty="0"/>
+            </a:p>
+          </p:txBody>
+        </p:sp>
+        <p:sp>
+          <p:nvSpPr>
+            <p:cNvPr id="63" name="TextBox 62">
+              <a:extLst>
+                <a:ext uri="{FF2B5EF4-FFF2-40B4-BE49-F238E27FC236}">
+                  <a16:creationId xmlns:a16="http://schemas.microsoft.com/office/drawing/2014/main" id="{126FBD71-B1C0-E94F-865B-80B5E4739AF7}"/>
+                </a:ext>
+              </a:extLst>
+            </p:cNvPr>
+            <p:cNvSpPr txBox="1"/>
+            <p:nvPr/>
+          </p:nvSpPr>
+          <p:spPr>
+            <a:xfrm>
+              <a:off x="1343107" y="1205245"/>
+              <a:ext cx="1785115" cy="276999"/>
+            </a:xfrm>
+            <a:prstGeom prst="rect">
+              <a:avLst/>
+            </a:prstGeom>
+            <a:noFill/>
+          </p:spPr>
+          <p:txBody>
+            <a:bodyPr wrap="square" rtlCol="0">
+              <a:spAutoFit/>
+            </a:bodyPr>
+            <a:lstStyle/>
+            <a:p>
+              <a:pPr algn="ctr"/>
+              <a:r>
+                <a:rPr kumimoji="1" lang="en-US" altLang="ko-KR" sz="1200" dirty="0" err="1">
+                  <a:solidFill>
+                    <a:srgbClr val="5DA2C5"/>
+                  </a:solidFill>
+                  <a:latin typeface="SHeadG" panose="02030600000101010101" pitchFamily="18" charset="-127"/>
+                  <a:ea typeface="SHeadG" panose="02030600000101010101" pitchFamily="18" charset="-127"/>
+                </a:rPr>
+                <a:t>Receiver</a:t>
+              </a:r>
+              <a:r>
+                <a:rPr kumimoji="1" lang="en-US" altLang="ko-Kore-KR" sz="1200" dirty="0" err="1">
+                  <a:solidFill>
+                    <a:srgbClr val="5DA2C5"/>
+                  </a:solidFill>
+                  <a:latin typeface="SHeadG" panose="02030600000101010101" pitchFamily="18" charset="-127"/>
+                  <a:ea typeface="SHeadG" panose="02030600000101010101" pitchFamily="18" charset="-127"/>
+                </a:rPr>
+                <a:t>EndPoint</a:t>
+              </a:r>
+              <a:endParaRPr kumimoji="1" lang="ko-Kore-KR" altLang="en-US" sz="1200" dirty="0">
+                <a:solidFill>
+                  <a:srgbClr val="5DA2C5"/>
+                </a:solidFill>
+                <a:latin typeface="SHeadG" panose="02030600000101010101" pitchFamily="18" charset="-127"/>
+                <a:ea typeface="SHeadG" panose="02030600000101010101" pitchFamily="18" charset="-127"/>
+              </a:endParaRPr>
+            </a:p>
+          </p:txBody>
+        </p:sp>
+      </p:grpSp>
+      <p:cxnSp>
+        <p:nvCxnSpPr>
+          <p:cNvPr id="64" name="직선 화살표 연결선 63">
+            <a:extLst>
+              <a:ext uri="{FF2B5EF4-FFF2-40B4-BE49-F238E27FC236}">
+                <a16:creationId xmlns:a16="http://schemas.microsoft.com/office/drawing/2014/main" id="{74CEFBD9-3F95-9544-A679-97480244E98B}"/>
+              </a:ext>
+            </a:extLst>
+          </p:cNvPr>
+          <p:cNvCxnSpPr>
+            <a:cxnSpLocks/>
+            <a:stCxn id="66" idx="0"/>
+            <a:endCxn id="62" idx="2"/>
+          </p:cNvCxnSpPr>
+          <p:nvPr/>
+        </p:nvCxnSpPr>
+        <p:spPr>
+          <a:xfrm flipV="1">
+            <a:off x="7721981" y="2117609"/>
+            <a:ext cx="4651" cy="479568"/>
+          </a:xfrm>
+          <a:prstGeom prst="straightConnector1">
+            <a:avLst/>
+          </a:prstGeom>
+          <a:ln w="19050">
+            <a:solidFill>
+              <a:srgbClr val="5DA2C5"/>
+            </a:solidFill>
+            <a:tailEnd type="stealth" w="lg" len="lg"/>
+          </a:ln>
+        </p:spPr>
+        <p:style>
+          <a:lnRef idx="1">
+            <a:schemeClr val="accent1"/>
+          </a:lnRef>
+          <a:fillRef idx="0">
+            <a:schemeClr val="accent1"/>
+          </a:fillRef>
+          <a:effectRef idx="0">
+            <a:schemeClr val="accent1"/>
+          </a:effectRef>
+          <a:fontRef idx="minor">
+            <a:schemeClr val="tx1"/>
+          </a:fontRef>
+        </p:style>
+      </p:cxnSp>
+      <p:grpSp>
+        <p:nvGrpSpPr>
+          <p:cNvPr id="65" name="그룹 64">
+            <a:extLst>
+              <a:ext uri="{FF2B5EF4-FFF2-40B4-BE49-F238E27FC236}">
+                <a16:creationId xmlns:a16="http://schemas.microsoft.com/office/drawing/2014/main" id="{4E64F0BF-788F-B348-A39C-E40E4FB7C253}"/>
+              </a:ext>
+            </a:extLst>
+          </p:cNvPr>
+          <p:cNvGrpSpPr/>
+          <p:nvPr/>
+        </p:nvGrpSpPr>
+        <p:grpSpPr>
+          <a:xfrm>
+            <a:off x="6743282" y="2597177"/>
+            <a:ext cx="1957398" cy="534681"/>
+            <a:chOff x="1174376" y="1076405"/>
+            <a:chExt cx="2132711" cy="534681"/>
+          </a:xfrm>
+        </p:grpSpPr>
+        <p:sp>
+          <p:nvSpPr>
+            <p:cNvPr id="66" name="직사각형 65">
+              <a:extLst>
+                <a:ext uri="{FF2B5EF4-FFF2-40B4-BE49-F238E27FC236}">
+                  <a16:creationId xmlns:a16="http://schemas.microsoft.com/office/drawing/2014/main" id="{4C07F6F7-ECD4-8946-B40F-671B66FA1189}"/>
+                </a:ext>
+              </a:extLst>
+            </p:cNvPr>
+            <p:cNvSpPr/>
+            <p:nvPr/>
+          </p:nvSpPr>
+          <p:spPr>
+            <a:xfrm>
+              <a:off x="1174376" y="1076405"/>
+              <a:ext cx="2132711" cy="534681"/>
+            </a:xfrm>
+            <a:prstGeom prst="rect">
+              <a:avLst/>
+            </a:prstGeom>
+            <a:ln w="25400">
+              <a:solidFill>
+                <a:srgbClr val="5DA2C5"/>
+              </a:solidFill>
+            </a:ln>
+          </p:spPr>
+          <p:style>
+            <a:lnRef idx="1">
+              <a:schemeClr val="accent1"/>
+            </a:lnRef>
+            <a:fillRef idx="0">
+              <a:schemeClr val="accent1"/>
+            </a:fillRef>
+            <a:effectRef idx="0">
+              <a:schemeClr val="accent1"/>
+            </a:effectRef>
+            <a:fontRef idx="minor">
+              <a:schemeClr val="tx1"/>
+            </a:fontRef>
+          </p:style>
+          <p:txBody>
+            <a:bodyPr rtlCol="0" anchor="ctr"/>
+            <a:lstStyle/>
+            <a:p>
+              <a:pPr algn="ctr"/>
+              <a:endParaRPr kumimoji="1" lang="ko-Kore-KR" altLang="en-US" dirty="0"/>
+            </a:p>
+          </p:txBody>
+        </p:sp>
+        <p:sp>
+          <p:nvSpPr>
+            <p:cNvPr id="67" name="TextBox 66">
+              <a:extLst>
+                <a:ext uri="{FF2B5EF4-FFF2-40B4-BE49-F238E27FC236}">
+                  <a16:creationId xmlns:a16="http://schemas.microsoft.com/office/drawing/2014/main" id="{70CE3F90-AB02-FA4D-AF39-3082DFC0A06F}"/>
+                </a:ext>
+              </a:extLst>
+            </p:cNvPr>
+            <p:cNvSpPr txBox="1"/>
+            <p:nvPr/>
+          </p:nvSpPr>
+          <p:spPr>
+            <a:xfrm>
+              <a:off x="1343107" y="1205245"/>
+              <a:ext cx="1785115" cy="276999"/>
+            </a:xfrm>
+            <a:prstGeom prst="rect">
+              <a:avLst/>
+            </a:prstGeom>
+            <a:noFill/>
+          </p:spPr>
+          <p:txBody>
+            <a:bodyPr wrap="square" rtlCol="0">
+              <a:spAutoFit/>
+            </a:bodyPr>
+            <a:lstStyle/>
+            <a:p>
+              <a:pPr algn="ctr"/>
+              <a:r>
+                <a:rPr kumimoji="1" lang="en-US" altLang="ko-Kore-KR" sz="1200" dirty="0">
+                  <a:solidFill>
+                    <a:srgbClr val="5DA2C5"/>
+                  </a:solidFill>
+                  <a:latin typeface="SHeadG" panose="02030600000101010101" pitchFamily="18" charset="-127"/>
+                  <a:ea typeface="SHeadG" panose="02030600000101010101" pitchFamily="18" charset="-127"/>
+                </a:rPr>
+                <a:t>UI </a:t>
+              </a:r>
+              <a:r>
+                <a:rPr kumimoji="1" lang="ko-KR" altLang="en-US" sz="1200" dirty="0">
+                  <a:solidFill>
+                    <a:srgbClr val="5DA2C5"/>
+                  </a:solidFill>
+                  <a:latin typeface="SHeadG" panose="02030600000101010101" pitchFamily="18" charset="-127"/>
+                  <a:ea typeface="SHeadG" panose="02030600000101010101" pitchFamily="18" charset="-127"/>
+                </a:rPr>
+                <a:t>어댑터</a:t>
+              </a:r>
+              <a:endParaRPr kumimoji="1" lang="ko-Kore-KR" altLang="en-US" sz="1200" dirty="0">
+                <a:solidFill>
+                  <a:srgbClr val="5DA2C5"/>
+                </a:solidFill>
+                <a:latin typeface="SHeadG" panose="02030600000101010101" pitchFamily="18" charset="-127"/>
+                <a:ea typeface="SHeadG" panose="02030600000101010101" pitchFamily="18" charset="-127"/>
+              </a:endParaRPr>
+            </a:p>
+          </p:txBody>
+        </p:sp>
+      </p:grpSp>
+      <p:sp>
+        <p:nvSpPr>
+          <p:cNvPr id="68" name="TextBox 67">
+            <a:extLst>
+              <a:ext uri="{FF2B5EF4-FFF2-40B4-BE49-F238E27FC236}">
+                <a16:creationId xmlns:a16="http://schemas.microsoft.com/office/drawing/2014/main" id="{4AD3E42D-FD08-7541-8EBD-AF62BECC2EEC}"/>
+              </a:ext>
+            </a:extLst>
+          </p:cNvPr>
+          <p:cNvSpPr txBox="1"/>
+          <p:nvPr/>
+        </p:nvSpPr>
+        <p:spPr>
+          <a:xfrm>
+            <a:off x="7609461" y="2246805"/>
+            <a:ext cx="801581" cy="276999"/>
+          </a:xfrm>
+          <a:prstGeom prst="rect">
+            <a:avLst/>
+          </a:prstGeom>
+          <a:noFill/>
+        </p:spPr>
+        <p:txBody>
+          <a:bodyPr wrap="square" rtlCol="0">
+            <a:spAutoFit/>
+          </a:bodyPr>
+          <a:lstStyle/>
+          <a:p>
+            <a:pPr algn="ctr"/>
+            <a:r>
+              <a:rPr kumimoji="1" lang="ko-KR" altLang="en-US" sz="1200" dirty="0">
+                <a:solidFill>
+                  <a:srgbClr val="5DA2C5"/>
+                </a:solidFill>
+                <a:latin typeface="SHeadG" panose="02030600000101010101" pitchFamily="18" charset="-127"/>
+                <a:ea typeface="SHeadG" panose="02030600000101010101" pitchFamily="18" charset="-127"/>
+              </a:rPr>
+              <a:t>구현</a:t>
+            </a:r>
+            <a:endParaRPr kumimoji="1" lang="ko-Kore-KR" altLang="en-US" sz="1200" dirty="0">
+              <a:solidFill>
+                <a:srgbClr val="5DA2C5"/>
+              </a:solidFill>
+              <a:latin typeface="SHeadG" panose="02030600000101010101" pitchFamily="18" charset="-127"/>
+              <a:ea typeface="SHeadG" panose="02030600000101010101" pitchFamily="18" charset="-127"/>
+            </a:endParaRPr>
+          </a:p>
+        </p:txBody>
+      </p:sp>
+      <p:sp>
+        <p:nvSpPr>
+          <p:cNvPr id="69" name="TextBox 68">
+            <a:extLst>
+              <a:ext uri="{FF2B5EF4-FFF2-40B4-BE49-F238E27FC236}">
+                <a16:creationId xmlns:a16="http://schemas.microsoft.com/office/drawing/2014/main" id="{773E0FCF-3CDA-BE46-94E2-7124CA591A22}"/>
+              </a:ext>
+            </a:extLst>
+          </p:cNvPr>
+          <p:cNvSpPr txBox="1"/>
+          <p:nvPr/>
+        </p:nvSpPr>
+        <p:spPr>
+          <a:xfrm>
+            <a:off x="7717330" y="1224008"/>
+            <a:ext cx="1112109" cy="276999"/>
+          </a:xfrm>
+          <a:prstGeom prst="rect">
+            <a:avLst/>
+          </a:prstGeom>
+          <a:noFill/>
+        </p:spPr>
+        <p:txBody>
+          <a:bodyPr wrap="square" rtlCol="0">
+            <a:spAutoFit/>
+          </a:bodyPr>
+          <a:lstStyle/>
+          <a:p>
+            <a:pPr algn="ctr"/>
+            <a:r>
+              <a:rPr kumimoji="1" lang="ko-KR" altLang="en-US" sz="1200" dirty="0">
+                <a:solidFill>
+                  <a:srgbClr val="5DA2C5"/>
+                </a:solidFill>
+                <a:latin typeface="SHeadG" panose="02030600000101010101" pitchFamily="18" charset="-127"/>
+                <a:ea typeface="SHeadG" panose="02030600000101010101" pitchFamily="18" charset="-127"/>
+              </a:rPr>
+              <a:t>이벤트 전송</a:t>
+            </a:r>
+            <a:endParaRPr kumimoji="1" lang="ko-Kore-KR" altLang="en-US" sz="1200" dirty="0">
+              <a:solidFill>
+                <a:srgbClr val="5DA2C5"/>
+              </a:solidFill>
+              <a:latin typeface="SHeadG" panose="02030600000101010101" pitchFamily="18" charset="-127"/>
+              <a:ea typeface="SHeadG" panose="02030600000101010101" pitchFamily="18" charset="-127"/>
+            </a:endParaRPr>
+          </a:p>
+        </p:txBody>
+      </p:sp>
+      <p:cxnSp>
+        <p:nvCxnSpPr>
+          <p:cNvPr id="24" name="꺾인 연결선[E] 23">
+            <a:extLst>
+              <a:ext uri="{FF2B5EF4-FFF2-40B4-BE49-F238E27FC236}">
+                <a16:creationId xmlns:a16="http://schemas.microsoft.com/office/drawing/2014/main" id="{A8071564-0AAB-9043-BEB3-BAFB28E0AB9A}"/>
+              </a:ext>
+            </a:extLst>
+          </p:cNvPr>
+          <p:cNvCxnSpPr>
+            <a:stCxn id="16" idx="0"/>
+            <a:endCxn id="59" idx="1"/>
+          </p:cNvCxnSpPr>
+          <p:nvPr/>
+        </p:nvCxnSpPr>
+        <p:spPr>
+          <a:xfrm rot="5400000" flipH="1" flipV="1">
+            <a:off x="2890680" y="434856"/>
+            <a:ext cx="673535" cy="1622611"/>
+          </a:xfrm>
+          <a:prstGeom prst="bentConnector2">
+            <a:avLst/>
+          </a:prstGeom>
+          <a:ln w="19050">
+            <a:solidFill>
+              <a:srgbClr val="5DA2C5"/>
+            </a:solidFill>
+            <a:tailEnd type="stealth" w="lg" len="lg"/>
+          </a:ln>
+        </p:spPr>
+        <p:style>
+          <a:lnRef idx="1">
+            <a:schemeClr val="accent1"/>
+          </a:lnRef>
+          <a:fillRef idx="0">
+            <a:schemeClr val="accent1"/>
+          </a:fillRef>
+          <a:effectRef idx="0">
+            <a:schemeClr val="accent1"/>
+          </a:effectRef>
+          <a:fontRef idx="minor">
+            <a:schemeClr val="tx1"/>
+          </a:fontRef>
+        </p:style>
+      </p:cxnSp>
+      <p:cxnSp>
+        <p:nvCxnSpPr>
+          <p:cNvPr id="70" name="꺾인 연결선[E] 69">
+            <a:extLst>
+              <a:ext uri="{FF2B5EF4-FFF2-40B4-BE49-F238E27FC236}">
+                <a16:creationId xmlns:a16="http://schemas.microsoft.com/office/drawing/2014/main" id="{C71610E2-A955-7C46-9603-83C406C43C10}"/>
+              </a:ext>
+            </a:extLst>
+          </p:cNvPr>
+          <p:cNvCxnSpPr>
+            <a:cxnSpLocks/>
+            <a:stCxn id="59" idx="3"/>
+            <a:endCxn id="62" idx="0"/>
+          </p:cNvCxnSpPr>
+          <p:nvPr/>
+        </p:nvCxnSpPr>
+        <p:spPr>
+          <a:xfrm>
+            <a:off x="5996151" y="909393"/>
+            <a:ext cx="1730481" cy="673535"/>
+          </a:xfrm>
+          <a:prstGeom prst="bentConnector2">
+            <a:avLst/>
+          </a:prstGeom>
+          <a:ln w="19050">
+            <a:solidFill>
+              <a:srgbClr val="5DA2C5"/>
+            </a:solidFill>
+            <a:tailEnd type="stealth" w="lg" len="lg"/>
+          </a:ln>
+        </p:spPr>
+        <p:style>
+          <a:lnRef idx="1">
+            <a:schemeClr val="accent1"/>
+          </a:lnRef>
+          <a:fillRef idx="0">
+            <a:schemeClr val="accent1"/>
+          </a:fillRef>
+          <a:effectRef idx="0">
+            <a:schemeClr val="accent1"/>
+          </a:effectRef>
+          <a:fontRef idx="minor">
+            <a:schemeClr val="tx1"/>
+          </a:fontRef>
+        </p:style>
+      </p:cxnSp>
+    </p:spTree>
+    <p:extLst>
+      <p:ext uri="{BB962C8B-B14F-4D97-AF65-F5344CB8AC3E}">
+        <p14:creationId xmlns:p14="http://schemas.microsoft.com/office/powerpoint/2010/main" val="2351828078"/>
+      </p:ext>
+    </p:extLst>
+  </p:cSld>
+  <p:clrMapOvr>
+    <a:masterClrMapping/>
+  </p:clrMapOvr>
+</p:sld>
+</file>
+
 <file path=ppt/theme/theme1.xml><?xml version="1.0" encoding="utf-8"?>
 <a:theme xmlns:a="http://schemas.openxmlformats.org/drawingml/2006/main" name="Office 테마">
   <a:themeElements>

--- a/실전자바소프트웨어/ref/프레젠테이션1.pptx
+++ b/실전자바소프트웨어/ref/프레젠테이션1.pptx
@@ -247,7 +247,7 @@
           <a:p>
             <a:fld id="{3083E1A9-A397-4745-BD5D-6E8E767939EE}" type="datetimeFigureOut">
               <a:rPr kumimoji="1" lang="ko-Kore-KR" altLang="en-US" smtClean="0"/>
-              <a:t>2021. 7. 1.</a:t>
+              <a:t>2021. 7. 5.</a:t>
             </a:fld>
             <a:endParaRPr kumimoji="1" lang="ko-Kore-KR" altLang="en-US"/>
           </a:p>
@@ -417,7 +417,7 @@
           <a:p>
             <a:fld id="{3083E1A9-A397-4745-BD5D-6E8E767939EE}" type="datetimeFigureOut">
               <a:rPr kumimoji="1" lang="ko-Kore-KR" altLang="en-US" smtClean="0"/>
-              <a:t>2021. 7. 1.</a:t>
+              <a:t>2021. 7. 5.</a:t>
             </a:fld>
             <a:endParaRPr kumimoji="1" lang="ko-Kore-KR" altLang="en-US"/>
           </a:p>
@@ -597,7 +597,7 @@
           <a:p>
             <a:fld id="{3083E1A9-A397-4745-BD5D-6E8E767939EE}" type="datetimeFigureOut">
               <a:rPr kumimoji="1" lang="ko-Kore-KR" altLang="en-US" smtClean="0"/>
-              <a:t>2021. 7. 1.</a:t>
+              <a:t>2021. 7. 5.</a:t>
             </a:fld>
             <a:endParaRPr kumimoji="1" lang="ko-Kore-KR" altLang="en-US"/>
           </a:p>
@@ -767,7 +767,7 @@
           <a:p>
             <a:fld id="{3083E1A9-A397-4745-BD5D-6E8E767939EE}" type="datetimeFigureOut">
               <a:rPr kumimoji="1" lang="ko-Kore-KR" altLang="en-US" smtClean="0"/>
-              <a:t>2021. 7. 1.</a:t>
+              <a:t>2021. 7. 5.</a:t>
             </a:fld>
             <a:endParaRPr kumimoji="1" lang="ko-Kore-KR" altLang="en-US"/>
           </a:p>
@@ -1013,7 +1013,7 @@
           <a:p>
             <a:fld id="{3083E1A9-A397-4745-BD5D-6E8E767939EE}" type="datetimeFigureOut">
               <a:rPr kumimoji="1" lang="ko-Kore-KR" altLang="en-US" smtClean="0"/>
-              <a:t>2021. 7. 1.</a:t>
+              <a:t>2021. 7. 5.</a:t>
             </a:fld>
             <a:endParaRPr kumimoji="1" lang="ko-Kore-KR" altLang="en-US"/>
           </a:p>
@@ -1245,7 +1245,7 @@
           <a:p>
             <a:fld id="{3083E1A9-A397-4745-BD5D-6E8E767939EE}" type="datetimeFigureOut">
               <a:rPr kumimoji="1" lang="ko-Kore-KR" altLang="en-US" smtClean="0"/>
-              <a:t>2021. 7. 1.</a:t>
+              <a:t>2021. 7. 5.</a:t>
             </a:fld>
             <a:endParaRPr kumimoji="1" lang="ko-Kore-KR" altLang="en-US"/>
           </a:p>
@@ -1612,7 +1612,7 @@
           <a:p>
             <a:fld id="{3083E1A9-A397-4745-BD5D-6E8E767939EE}" type="datetimeFigureOut">
               <a:rPr kumimoji="1" lang="ko-Kore-KR" altLang="en-US" smtClean="0"/>
-              <a:t>2021. 7. 1.</a:t>
+              <a:t>2021. 7. 5.</a:t>
             </a:fld>
             <a:endParaRPr kumimoji="1" lang="ko-Kore-KR" altLang="en-US"/>
           </a:p>
@@ -1730,7 +1730,7 @@
           <a:p>
             <a:fld id="{3083E1A9-A397-4745-BD5D-6E8E767939EE}" type="datetimeFigureOut">
               <a:rPr kumimoji="1" lang="ko-Kore-KR" altLang="en-US" smtClean="0"/>
-              <a:t>2021. 7. 1.</a:t>
+              <a:t>2021. 7. 5.</a:t>
             </a:fld>
             <a:endParaRPr kumimoji="1" lang="ko-Kore-KR" altLang="en-US"/>
           </a:p>
@@ -1825,7 +1825,7 @@
           <a:p>
             <a:fld id="{3083E1A9-A397-4745-BD5D-6E8E767939EE}" type="datetimeFigureOut">
               <a:rPr kumimoji="1" lang="ko-Kore-KR" altLang="en-US" smtClean="0"/>
-              <a:t>2021. 7. 1.</a:t>
+              <a:t>2021. 7. 5.</a:t>
             </a:fld>
             <a:endParaRPr kumimoji="1" lang="ko-Kore-KR" altLang="en-US"/>
           </a:p>
@@ -2102,7 +2102,7 @@
           <a:p>
             <a:fld id="{3083E1A9-A397-4745-BD5D-6E8E767939EE}" type="datetimeFigureOut">
               <a:rPr kumimoji="1" lang="ko-Kore-KR" altLang="en-US" smtClean="0"/>
-              <a:t>2021. 7. 1.</a:t>
+              <a:t>2021. 7. 5.</a:t>
             </a:fld>
             <a:endParaRPr kumimoji="1" lang="ko-Kore-KR" altLang="en-US"/>
           </a:p>
@@ -2359,7 +2359,7 @@
           <a:p>
             <a:fld id="{3083E1A9-A397-4745-BD5D-6E8E767939EE}" type="datetimeFigureOut">
               <a:rPr kumimoji="1" lang="ko-Kore-KR" altLang="en-US" smtClean="0"/>
-              <a:t>2021. 7. 1.</a:t>
+              <a:t>2021. 7. 5.</a:t>
             </a:fld>
             <a:endParaRPr kumimoji="1" lang="ko-Kore-KR" altLang="en-US"/>
           </a:p>
@@ -2572,7 +2572,7 @@
           <a:p>
             <a:fld id="{3083E1A9-A397-4745-BD5D-6E8E767939EE}" type="datetimeFigureOut">
               <a:rPr kumimoji="1" lang="ko-Kore-KR" altLang="en-US" smtClean="0"/>
-              <a:t>2021. 7. 1.</a:t>
+              <a:t>2021. 7. 5.</a:t>
             </a:fld>
             <a:endParaRPr kumimoji="1" lang="ko-Kore-KR" altLang="en-US"/>
           </a:p>
@@ -7729,9 +7729,9 @@
         <p:grpSpPr>
           <a:xfrm>
             <a:off x="4038753" y="642052"/>
-            <a:ext cx="1957398" cy="590505"/>
+            <a:ext cx="1957398" cy="534681"/>
             <a:chOff x="1174376" y="1076405"/>
-            <a:chExt cx="2132711" cy="590505"/>
+            <a:chExt cx="2132711" cy="534681"/>
           </a:xfrm>
         </p:grpSpPr>
         <p:sp>
@@ -7798,7 +7798,7 @@
           <p:spPr>
             <a:xfrm>
               <a:off x="1343107" y="1205245"/>
-              <a:ext cx="1785115" cy="461665"/>
+              <a:ext cx="1785115" cy="276999"/>
             </a:xfrm>
             <a:prstGeom prst="rect">
               <a:avLst/>
@@ -7813,14 +7813,14 @@
             <a:p>
               <a:pPr algn="ctr"/>
               <a:r>
-                <a:rPr kumimoji="1" lang="en-US" altLang="ko-Kore-KR" sz="1200" dirty="0" err="1">
+                <a:rPr kumimoji="1" lang="ko-KR" altLang="en-US" sz="1200" dirty="0" err="1">
                   <a:solidFill>
                     <a:srgbClr val="5DA2C5"/>
                   </a:solidFill>
                   <a:latin typeface="SHeadG" panose="02030600000101010101" pitchFamily="18" charset="-127"/>
                   <a:ea typeface="SHeadG" panose="02030600000101010101" pitchFamily="18" charset="-127"/>
                 </a:rPr>
-                <a:t>SenderEndPoint</a:t>
+                <a:t>트우터</a:t>
               </a:r>
               <a:endParaRPr kumimoji="1" lang="ko-Kore-KR" altLang="en-US" sz="1200" dirty="0">
                 <a:solidFill>
